--- a/django_ppt/pyweb_ppt/pybo 4장.  회원가입, 로그인.pptx
+++ b/django_ppt/pyweb_ppt/pybo 4장.  회원가입, 로그인.pptx
@@ -5,7 +5,7 @@
     <p:sldMasterId id="2147483648" r:id="rId1"/>
   </p:sldMasterIdLst>
   <p:notesMasterIdLst>
-    <p:notesMasterId r:id="rId50"/>
+    <p:notesMasterId r:id="rId48"/>
   </p:notesMasterIdLst>
   <p:sldIdLst>
     <p:sldId id="256" r:id="rId2"/>
@@ -29,33 +29,31 @@
     <p:sldId id="395" r:id="rId20"/>
     <p:sldId id="394" r:id="rId21"/>
     <p:sldId id="466" r:id="rId22"/>
-    <p:sldId id="467" r:id="rId23"/>
+    <p:sldId id="480" r:id="rId23"/>
     <p:sldId id="476" r:id="rId24"/>
-    <p:sldId id="477" r:id="rId25"/>
-    <p:sldId id="470" r:id="rId26"/>
-    <p:sldId id="469" r:id="rId27"/>
-    <p:sldId id="478" r:id="rId28"/>
-    <p:sldId id="460" r:id="rId29"/>
-    <p:sldId id="399" r:id="rId30"/>
-    <p:sldId id="401" r:id="rId31"/>
-    <p:sldId id="459" r:id="rId32"/>
-    <p:sldId id="404" r:id="rId33"/>
-    <p:sldId id="458" r:id="rId34"/>
-    <p:sldId id="461" r:id="rId35"/>
-    <p:sldId id="402" r:id="rId36"/>
-    <p:sldId id="407" r:id="rId37"/>
-    <p:sldId id="457" r:id="rId38"/>
-    <p:sldId id="408" r:id="rId39"/>
-    <p:sldId id="410" r:id="rId40"/>
-    <p:sldId id="479" r:id="rId41"/>
-    <p:sldId id="411" r:id="rId42"/>
-    <p:sldId id="412" r:id="rId43"/>
-    <p:sldId id="413" r:id="rId44"/>
-    <p:sldId id="462" r:id="rId45"/>
-    <p:sldId id="463" r:id="rId46"/>
-    <p:sldId id="464" r:id="rId47"/>
-    <p:sldId id="465" r:id="rId48"/>
-    <p:sldId id="415" r:id="rId49"/>
+    <p:sldId id="470" r:id="rId25"/>
+    <p:sldId id="469" r:id="rId26"/>
+    <p:sldId id="478" r:id="rId27"/>
+    <p:sldId id="460" r:id="rId28"/>
+    <p:sldId id="399" r:id="rId29"/>
+    <p:sldId id="459" r:id="rId30"/>
+    <p:sldId id="404" r:id="rId31"/>
+    <p:sldId id="458" r:id="rId32"/>
+    <p:sldId id="461" r:id="rId33"/>
+    <p:sldId id="402" r:id="rId34"/>
+    <p:sldId id="407" r:id="rId35"/>
+    <p:sldId id="457" r:id="rId36"/>
+    <p:sldId id="408" r:id="rId37"/>
+    <p:sldId id="410" r:id="rId38"/>
+    <p:sldId id="479" r:id="rId39"/>
+    <p:sldId id="411" r:id="rId40"/>
+    <p:sldId id="412" r:id="rId41"/>
+    <p:sldId id="413" r:id="rId42"/>
+    <p:sldId id="462" r:id="rId43"/>
+    <p:sldId id="463" r:id="rId44"/>
+    <p:sldId id="464" r:id="rId45"/>
+    <p:sldId id="465" r:id="rId46"/>
+    <p:sldId id="415" r:id="rId47"/>
   </p:sldIdLst>
   <p:sldSz cx="9906000" cy="6858000" type="A4"/>
   <p:notesSz cx="6858000" cy="9144000"/>
@@ -255,7 +253,7 @@
           <a:p>
             <a:fld id="{7665CDAC-D627-4E87-877A-1B781DD4CADC}" type="datetimeFigureOut">
               <a:rPr lang="ko-KR" altLang="en-US" smtClean="0"/>
-              <a:t>2023-06-18</a:t>
+              <a:t>2023-06-21</a:t>
             </a:fld>
             <a:endParaRPr lang="ko-KR" altLang="en-US"/>
           </a:p>
@@ -671,7 +669,7 @@
           <a:p>
             <a:fld id="{0FADDD8A-FD4C-4C63-90D4-202AFE8080B2}" type="slidenum">
               <a:rPr lang="ko-KR" altLang="en-US" smtClean="0"/>
-              <a:t>31</a:t>
+              <a:t>29</a:t>
             </a:fld>
             <a:endParaRPr lang="ko-KR" altLang="en-US"/>
           </a:p>
@@ -751,7 +749,7 @@
           <a:p>
             <a:fld id="{C25BCFD5-C4DF-4EBC-B718-C69ED2FBDE6F}" type="datetime1">
               <a:rPr lang="ko-KR" altLang="en-US" smtClean="0"/>
-              <a:t>2023-06-18</a:t>
+              <a:t>2023-06-21</a:t>
             </a:fld>
             <a:endParaRPr lang="ko-KR" altLang="en-US"/>
           </a:p>
@@ -1202,7 +1200,7 @@
           <a:p>
             <a:fld id="{AB448CD7-D367-43D5-B461-ACE552E75063}" type="datetime1">
               <a:rPr lang="ko-KR" altLang="en-US" smtClean="0"/>
-              <a:t>2023-06-18</a:t>
+              <a:t>2023-06-21</a:t>
             </a:fld>
             <a:endParaRPr lang="ko-KR" altLang="en-US"/>
           </a:p>
@@ -1380,7 +1378,7 @@
           <a:p>
             <a:fld id="{B6E49E79-7361-4780-8BEF-7EDE3708298A}" type="datetime1">
               <a:rPr lang="ko-KR" altLang="en-US" smtClean="0"/>
-              <a:t>2023-06-18</a:t>
+              <a:t>2023-06-21</a:t>
             </a:fld>
             <a:endParaRPr lang="ko-KR" altLang="en-US"/>
           </a:p>
@@ -1552,7 +1550,7 @@
           <a:p>
             <a:fld id="{A4D42E3C-B70B-437C-85CF-1286301B9CBA}" type="datetime1">
               <a:rPr lang="ko-KR" altLang="en-US" smtClean="0"/>
-              <a:t>2023-06-18</a:t>
+              <a:t>2023-06-21</a:t>
             </a:fld>
             <a:endParaRPr lang="ko-KR" altLang="en-US"/>
           </a:p>
@@ -1804,7 +1802,7 @@
           <a:p>
             <a:fld id="{B3369A20-5B3D-4D98-A822-26B93D177A40}" type="datetime1">
               <a:rPr lang="ko-KR" altLang="en-US" smtClean="0"/>
-              <a:t>2023-06-18</a:t>
+              <a:t>2023-06-21</a:t>
             </a:fld>
             <a:endParaRPr lang="ko-KR" altLang="en-US"/>
           </a:p>
@@ -2089,7 +2087,7 @@
           <a:p>
             <a:fld id="{685CD4CE-9E43-4F70-A9D8-A2130CA7D92A}" type="datetime1">
               <a:rPr lang="ko-KR" altLang="en-US" smtClean="0"/>
-              <a:t>2023-06-18</a:t>
+              <a:t>2023-06-21</a:t>
             </a:fld>
             <a:endParaRPr lang="ko-KR" altLang="en-US"/>
           </a:p>
@@ -2515,7 +2513,7 @@
           <a:p>
             <a:fld id="{F752BD92-DA3E-4A0B-90C9-7DE5E15B6E96}" type="datetime1">
               <a:rPr lang="ko-KR" altLang="en-US" smtClean="0"/>
-              <a:t>2023-06-18</a:t>
+              <a:t>2023-06-21</a:t>
             </a:fld>
             <a:endParaRPr lang="ko-KR" altLang="en-US"/>
           </a:p>
@@ -2639,7 +2637,7 @@
           <a:p>
             <a:fld id="{8EA2B83A-F366-424E-B742-340ACF856BB5}" type="datetime1">
               <a:rPr lang="ko-KR" altLang="en-US" smtClean="0"/>
-              <a:t>2023-06-18</a:t>
+              <a:t>2023-06-21</a:t>
             </a:fld>
             <a:endParaRPr lang="ko-KR" altLang="en-US"/>
           </a:p>
@@ -2734,7 +2732,7 @@
           <a:p>
             <a:fld id="{9A49D68B-5DBD-48E9-A8D4-FCBC4B3DD9C6}" type="datetime1">
               <a:rPr lang="ko-KR" altLang="en-US" smtClean="0"/>
-              <a:t>2023-06-18</a:t>
+              <a:t>2023-06-21</a:t>
             </a:fld>
             <a:endParaRPr lang="ko-KR" altLang="en-US"/>
           </a:p>
@@ -3009,7 +3007,7 @@
           <a:p>
             <a:fld id="{4CAB534F-7D16-467B-9320-91F98915D181}" type="datetime1">
               <a:rPr lang="ko-KR" altLang="en-US" smtClean="0"/>
-              <a:t>2023-06-18</a:t>
+              <a:t>2023-06-21</a:t>
             </a:fld>
             <a:endParaRPr lang="ko-KR" altLang="en-US"/>
           </a:p>
@@ -3261,7 +3259,7 @@
           <a:p>
             <a:fld id="{A390A91F-2F8D-4486-A69D-D680F95444B0}" type="datetime1">
               <a:rPr lang="ko-KR" altLang="en-US" smtClean="0"/>
-              <a:t>2023-06-18</a:t>
+              <a:t>2023-06-21</a:t>
             </a:fld>
             <a:endParaRPr lang="ko-KR" altLang="en-US"/>
           </a:p>
@@ -3440,7 +3438,7 @@
           <a:p>
             <a:fld id="{2238BBEA-E8DD-414A-BF68-FC2AFA7CFF2D}" type="datetime1">
               <a:rPr lang="ko-KR" altLang="en-US" smtClean="0"/>
-              <a:t>2023-06-18</a:t>
+              <a:t>2023-06-21</a:t>
             </a:fld>
             <a:endParaRPr lang="ko-KR" altLang="en-US"/>
           </a:p>
@@ -4274,23 +4272,7 @@
                   <a:schemeClr val="tx1"/>
                 </a:solidFill>
               </a:rPr>
-              <a:t>로그인</a:t>
-            </a:r>
-            <a:r>
-              <a:rPr lang="en-US" altLang="ko-KR" sz="3200" b="1" dirty="0" smtClean="0">
-                <a:solidFill>
-                  <a:schemeClr val="tx1"/>
-                </a:solidFill>
-              </a:rPr>
-              <a:t>, </a:t>
-            </a:r>
-            <a:r>
-              <a:rPr lang="ko-KR" altLang="en-US" sz="3200" b="1" dirty="0" smtClean="0">
-                <a:solidFill>
-                  <a:schemeClr val="tx1"/>
-                </a:solidFill>
-              </a:rPr>
-              <a:t>로그아웃 </a:t>
+              <a:t>로그인 </a:t>
             </a:r>
             <a:r>
               <a:rPr lang="en-US" altLang="ko-KR" sz="3200" b="1" dirty="0" smtClean="0">
@@ -7912,7 +7894,7 @@
         <p:spPr>
           <a:xfrm>
             <a:off x="992560" y="1211268"/>
-            <a:ext cx="4896544" cy="509178"/>
+            <a:ext cx="6624736" cy="553998"/>
           </a:xfrm>
           <a:prstGeom prst="rect">
             <a:avLst/>
@@ -7967,7 +7949,14 @@
                 <a:latin typeface="휴먼엑스포" panose="02030504000101010101" pitchFamily="18" charset="-127"/>
                 <a:ea typeface="휴먼엑스포" panose="02030504000101010101" pitchFamily="18" charset="-127"/>
               </a:rPr>
-              <a:t>만들기</a:t>
+              <a:t>만들기 </a:t>
+            </a:r>
+            <a:r>
+              <a:rPr lang="en-US" altLang="ko-KR" sz="2000" dirty="0" smtClean="0">
+                <a:latin typeface="휴먼엑스포" panose="02030504000101010101" pitchFamily="18" charset="-127"/>
+                <a:ea typeface="휴먼엑스포" panose="02030504000101010101" pitchFamily="18" charset="-127"/>
+              </a:rPr>
+              <a:t>– common/urls.py</a:t>
             </a:r>
             <a:endParaRPr lang="en-US" altLang="ko-KR" sz="2000" dirty="0" smtClean="0">
               <a:latin typeface="휴먼엑스포" panose="02030504000101010101" pitchFamily="18" charset="-127"/>
@@ -7978,7 +7967,7 @@
       </p:sp>
       <p:pic>
         <p:nvPicPr>
-          <p:cNvPr id="3" name="그림 2"/>
+          <p:cNvPr id="6" name="그림 5"/>
           <p:cNvPicPr>
             <a:picLocks noChangeAspect="1"/>
           </p:cNvPicPr>
@@ -7998,8 +7987,8 @@
         </p:blipFill>
         <p:spPr>
           <a:xfrm>
-            <a:off x="632520" y="1844824"/>
-            <a:ext cx="9114310" cy="3878916"/>
+            <a:off x="1248806" y="2060848"/>
+            <a:ext cx="7597798" cy="3086367"/>
           </a:xfrm>
           <a:prstGeom prst="rect">
             <a:avLst/>
@@ -8119,7 +8108,7 @@
         <p:spPr>
           <a:xfrm>
             <a:off x="992560" y="1211268"/>
-            <a:ext cx="4896544" cy="509178"/>
+            <a:ext cx="6984776" cy="553998"/>
           </a:xfrm>
           <a:prstGeom prst="rect">
             <a:avLst/>
@@ -8174,7 +8163,14 @@
                 <a:latin typeface="휴먼엑스포" panose="02030504000101010101" pitchFamily="18" charset="-127"/>
                 <a:ea typeface="휴먼엑스포" panose="02030504000101010101" pitchFamily="18" charset="-127"/>
               </a:rPr>
-              <a:t>만들기</a:t>
+              <a:t>만들기 </a:t>
+            </a:r>
+            <a:r>
+              <a:rPr lang="en-US" altLang="ko-KR" sz="2000" dirty="0" smtClean="0">
+                <a:latin typeface="휴먼엑스포" panose="02030504000101010101" pitchFamily="18" charset="-127"/>
+                <a:ea typeface="휴먼엑스포" panose="02030504000101010101" pitchFamily="18" charset="-127"/>
+              </a:rPr>
+              <a:t>– common/views.py</a:t>
             </a:r>
             <a:endParaRPr lang="en-US" altLang="ko-KR" sz="2000" dirty="0" smtClean="0">
               <a:latin typeface="휴먼엑스포" panose="02030504000101010101" pitchFamily="18" charset="-127"/>
@@ -8185,7 +8181,7 @@
       </p:sp>
       <p:pic>
         <p:nvPicPr>
-          <p:cNvPr id="6" name="그림 5"/>
+          <p:cNvPr id="3" name="그림 2"/>
           <p:cNvPicPr>
             <a:picLocks noChangeAspect="1"/>
           </p:cNvPicPr>
@@ -8205,8 +8201,8 @@
         </p:blipFill>
         <p:spPr>
           <a:xfrm>
-            <a:off x="1352600" y="1754929"/>
-            <a:ext cx="7545356" cy="4701964"/>
+            <a:off x="992560" y="1772816"/>
+            <a:ext cx="7948349" cy="4541914"/>
           </a:xfrm>
           <a:prstGeom prst="rect">
             <a:avLst/>
@@ -8223,7 +8219,7 @@
     </p:spTree>
     <p:extLst>
       <p:ext uri="{BB962C8B-B14F-4D97-AF65-F5344CB8AC3E}">
-        <p14:creationId xmlns:p14="http://schemas.microsoft.com/office/powerpoint/2010/main" val="608951530"/>
+        <p14:creationId xmlns:p14="http://schemas.microsoft.com/office/powerpoint/2010/main" val="2880035862"/>
       </p:ext>
     </p:extLst>
   </p:cSld>
@@ -8385,13 +8381,13 @@
       </p:sp>
       <p:pic>
         <p:nvPicPr>
-          <p:cNvPr id="8" name="그림 7"/>
+          <p:cNvPr id="3" name="그림 2"/>
           <p:cNvPicPr>
             <a:picLocks noChangeAspect="1"/>
           </p:cNvPicPr>
           <p:nvPr/>
         </p:nvPicPr>
-        <p:blipFill rotWithShape="1">
+        <p:blipFill>
           <a:blip r:embed="rId2">
             <a:extLst>
               <a:ext uri="{28A0092B-C50C-407E-A947-70E740481C1C}">
@@ -8399,13 +8395,14 @@
               </a:ext>
             </a:extLst>
           </a:blip>
-          <a:srcRect b="10354"/>
-          <a:stretch/>
+          <a:stretch>
+            <a:fillRect/>
+          </a:stretch>
         </p:blipFill>
         <p:spPr>
           <a:xfrm>
-            <a:off x="500134" y="1916832"/>
-            <a:ext cx="9001000" cy="2480973"/>
+            <a:off x="1018794" y="1988840"/>
+            <a:ext cx="7712108" cy="3246401"/>
           </a:xfrm>
           <a:prstGeom prst="rect">
             <a:avLst/>
@@ -8510,221 +8507,6 @@
             <a:fld id="{1BDE3FE7-3AEA-4B05-AC5A-802D1816ACF0}" type="slidenum">
               <a:rPr lang="ko-KR" altLang="en-US" smtClean="0"/>
               <a:t>24</a:t>
-            </a:fld>
-            <a:endParaRPr lang="ko-KR" altLang="en-US"/>
-          </a:p>
-        </p:txBody>
-      </p:sp>
-      <p:sp>
-        <p:nvSpPr>
-          <p:cNvPr id="6" name="TextBox 5"/>
-          <p:cNvSpPr txBox="1"/>
-          <p:nvPr/>
-        </p:nvSpPr>
-        <p:spPr>
-          <a:xfrm>
-            <a:off x="1208584" y="1192977"/>
-            <a:ext cx="8064896" cy="507831"/>
-          </a:xfrm>
-          <a:prstGeom prst="rect">
-            <a:avLst/>
-          </a:prstGeom>
-          <a:noFill/>
-        </p:spPr>
-        <p:txBody>
-          <a:bodyPr wrap="square" rtlCol="0">
-            <a:spAutoFit/>
-          </a:bodyPr>
-          <a:lstStyle/>
-          <a:p>
-            <a:pPr marL="342900" indent="-342900">
-              <a:lnSpc>
-                <a:spcPct val="150000"/>
-              </a:lnSpc>
-              <a:buFont typeface="Wingdings" panose="05000000000000000000" pitchFamily="2" charset="2"/>
-              <a:buChar char="l"/>
-            </a:pPr>
-            <a:r>
-              <a:rPr lang="en-US" altLang="ko-KR" dirty="0"/>
-              <a:t>b</a:t>
-            </a:r>
-            <a:r>
-              <a:rPr lang="en-US" altLang="ko-KR" dirty="0" smtClean="0"/>
-              <a:t>oard/views.py </a:t>
-            </a:r>
-            <a:r>
-              <a:rPr lang="ko-KR" altLang="en-US" dirty="0" smtClean="0"/>
-              <a:t>수정</a:t>
-            </a:r>
-            <a:endParaRPr lang="en-US" altLang="ko-KR" dirty="0"/>
-          </a:p>
-        </p:txBody>
-      </p:sp>
-      <p:pic>
-        <p:nvPicPr>
-          <p:cNvPr id="5" name="그림 4"/>
-          <p:cNvPicPr>
-            <a:picLocks noChangeAspect="1"/>
-          </p:cNvPicPr>
-          <p:nvPr/>
-        </p:nvPicPr>
-        <p:blipFill>
-          <a:blip r:embed="rId2">
-            <a:extLst>
-              <a:ext uri="{28A0092B-C50C-407E-A947-70E740481C1C}">
-                <a14:useLocalDpi xmlns:a14="http://schemas.microsoft.com/office/drawing/2010/main" val="0"/>
-              </a:ext>
-            </a:extLst>
-          </a:blip>
-          <a:stretch>
-            <a:fillRect/>
-          </a:stretch>
-        </p:blipFill>
-        <p:spPr>
-          <a:xfrm>
-            <a:off x="1568624" y="1769636"/>
-            <a:ext cx="6192688" cy="2163420"/>
-          </a:xfrm>
-          <a:prstGeom prst="rect">
-            <a:avLst/>
-          </a:prstGeom>
-          <a:ln>
-            <a:solidFill>
-              <a:schemeClr val="bg1">
-                <a:lumMod val="85000"/>
-              </a:schemeClr>
-            </a:solidFill>
-          </a:ln>
-        </p:spPr>
-      </p:pic>
-      <p:pic>
-        <p:nvPicPr>
-          <p:cNvPr id="7" name="그림 6"/>
-          <p:cNvPicPr>
-            <a:picLocks noChangeAspect="1"/>
-          </p:cNvPicPr>
-          <p:nvPr/>
-        </p:nvPicPr>
-        <p:blipFill>
-          <a:blip r:embed="rId3">
-            <a:extLst>
-              <a:ext uri="{28A0092B-C50C-407E-A947-70E740481C1C}">
-                <a14:useLocalDpi xmlns:a14="http://schemas.microsoft.com/office/drawing/2010/main" val="0"/>
-              </a:ext>
-            </a:extLst>
-          </a:blip>
-          <a:stretch>
-            <a:fillRect/>
-          </a:stretch>
-        </p:blipFill>
-        <p:spPr>
-          <a:xfrm>
-            <a:off x="1580659" y="4077072"/>
-            <a:ext cx="6180653" cy="2402709"/>
-          </a:xfrm>
-          <a:prstGeom prst="rect">
-            <a:avLst/>
-          </a:prstGeom>
-          <a:ln>
-            <a:solidFill>
-              <a:schemeClr val="bg1">
-                <a:lumMod val="85000"/>
-              </a:schemeClr>
-            </a:solidFill>
-          </a:ln>
-        </p:spPr>
-      </p:pic>
-    </p:spTree>
-    <p:extLst>
-      <p:ext uri="{BB962C8B-B14F-4D97-AF65-F5344CB8AC3E}">
-        <p14:creationId xmlns:p14="http://schemas.microsoft.com/office/powerpoint/2010/main" val="315394858"/>
-      </p:ext>
-    </p:extLst>
-  </p:cSld>
-  <p:clrMapOvr>
-    <a:masterClrMapping/>
-  </p:clrMapOvr>
-  <p:timing>
-    <p:tnLst>
-      <p:par>
-        <p:cTn id="1" dur="indefinite" restart="never" nodeType="tmRoot"/>
-      </p:par>
-    </p:tnLst>
-  </p:timing>
-</p:sld>
-</file>
-
-<file path=ppt/slides/slide25.xml><?xml version="1.0" encoding="utf-8"?>
-<p:sld xmlns:a="http://schemas.openxmlformats.org/drawingml/2006/main" xmlns:r="http://schemas.openxmlformats.org/officeDocument/2006/relationships" xmlns:p="http://schemas.openxmlformats.org/presentationml/2006/main">
-  <p:cSld>
-    <p:spTree>
-      <p:nvGrpSpPr>
-        <p:cNvPr id="1" name=""/>
-        <p:cNvGrpSpPr/>
-        <p:nvPr/>
-      </p:nvGrpSpPr>
-      <p:grpSpPr>
-        <a:xfrm>
-          <a:off x="0" y="0"/>
-          <a:ext cx="0" cy="0"/>
-          <a:chOff x="0" y="0"/>
-          <a:chExt cx="0" cy="0"/>
-        </a:xfrm>
-      </p:grpSpPr>
-      <p:sp>
-        <p:nvSpPr>
-          <p:cNvPr id="2" name="제목 1"/>
-          <p:cNvSpPr>
-            <a:spLocks noGrp="1"/>
-          </p:cNvSpPr>
-          <p:nvPr>
-            <p:ph type="title"/>
-          </p:nvPr>
-        </p:nvSpPr>
-        <p:spPr/>
-        <p:txBody>
-          <a:bodyPr>
-            <a:normAutofit/>
-          </a:bodyPr>
-          <a:lstStyle/>
-          <a:p>
-            <a:r>
-              <a:rPr lang="en-US" altLang="ko-KR" dirty="0"/>
-              <a:t> </a:t>
-            </a:r>
-            <a:r>
-              <a:rPr lang="ko-KR" altLang="en-US" dirty="0"/>
-              <a:t>로그인 </a:t>
-            </a:r>
-            <a:r>
-              <a:rPr lang="en-US" altLang="ko-KR" dirty="0"/>
-              <a:t>FBV</a:t>
-            </a:r>
-            <a:r>
-              <a:rPr lang="ko-KR" altLang="en-US" dirty="0"/>
-              <a:t>로 구현</a:t>
-            </a:r>
-          </a:p>
-        </p:txBody>
-      </p:sp>
-      <p:sp>
-        <p:nvSpPr>
-          <p:cNvPr id="4" name="슬라이드 번호 개체 틀 3"/>
-          <p:cNvSpPr>
-            <a:spLocks noGrp="1"/>
-          </p:cNvSpPr>
-          <p:nvPr>
-            <p:ph type="sldNum" sz="quarter" idx="12"/>
-          </p:nvPr>
-        </p:nvSpPr>
-        <p:spPr/>
-        <p:txBody>
-          <a:bodyPr/>
-          <a:lstStyle/>
-          <a:p>
-            <a:fld id="{1BDE3FE7-3AEA-4B05-AC5A-802D1816ACF0}" type="slidenum">
-              <a:rPr lang="ko-KR" altLang="en-US" smtClean="0"/>
-              <a:t>25</a:t>
             </a:fld>
             <a:endParaRPr lang="ko-KR" altLang="en-US"/>
           </a:p>
@@ -8824,7 +8606,7 @@
 </p:sld>
 </file>
 
-<file path=ppt/slides/slide26.xml><?xml version="1.0" encoding="utf-8"?>
+<file path=ppt/slides/slide25.xml><?xml version="1.0" encoding="utf-8"?>
 <p:sld xmlns:a="http://schemas.openxmlformats.org/drawingml/2006/main" xmlns:r="http://schemas.openxmlformats.org/officeDocument/2006/relationships" xmlns:p="http://schemas.openxmlformats.org/presentationml/2006/main">
   <p:cSld>
     <p:spTree>
@@ -8891,7 +8673,7 @@
           <a:p>
             <a:fld id="{1BDE3FE7-3AEA-4B05-AC5A-802D1816ACF0}" type="slidenum">
               <a:rPr lang="ko-KR" altLang="en-US" smtClean="0"/>
-              <a:t>26</a:t>
+              <a:t>25</a:t>
             </a:fld>
             <a:endParaRPr lang="ko-KR" altLang="en-US"/>
           </a:p>
@@ -8906,7 +8688,7 @@
         <p:spPr>
           <a:xfrm>
             <a:off x="1208584" y="1174508"/>
-            <a:ext cx="8064896" cy="507831"/>
+            <a:ext cx="8064896" cy="454292"/>
           </a:xfrm>
           <a:prstGeom prst="rect">
             <a:avLst/>
@@ -8928,11 +8710,7 @@
             </a:pPr>
             <a:r>
               <a:rPr lang="en-US" altLang="ko-KR" dirty="0" smtClean="0"/>
-              <a:t>templates/common/login.html </a:t>
-            </a:r>
-            <a:r>
-              <a:rPr lang="ko-KR" altLang="en-US" dirty="0" smtClean="0"/>
-              <a:t>수정</a:t>
+              <a:t>templates/common/signin.html</a:t>
             </a:r>
             <a:endParaRPr lang="en-US" altLang="ko-KR" dirty="0"/>
           </a:p>
@@ -8995,7 +8773,7 @@
 </p:sld>
 </file>
 
-<file path=ppt/slides/slide27.xml><?xml version="1.0" encoding="utf-8"?>
+<file path=ppt/slides/slide26.xml><?xml version="1.0" encoding="utf-8"?>
 <p:sld xmlns:a="http://schemas.openxmlformats.org/drawingml/2006/main" xmlns:r="http://schemas.openxmlformats.org/officeDocument/2006/relationships" xmlns:p="http://schemas.openxmlformats.org/presentationml/2006/main">
   <p:cSld>
     <p:spTree>
@@ -9074,7 +8852,7 @@
           <a:p>
             <a:fld id="{1BDE3FE7-3AEA-4B05-AC5A-802D1816ACF0}" type="slidenum">
               <a:rPr lang="ko-KR" altLang="en-US" smtClean="0"/>
-              <a:t>27</a:t>
+              <a:t>26</a:t>
             </a:fld>
             <a:endParaRPr lang="ko-KR" altLang="en-US"/>
           </a:p>
@@ -9155,7 +8933,7 @@
       </p:sp>
       <p:pic>
         <p:nvPicPr>
-          <p:cNvPr id="6" name="그림 5"/>
+          <p:cNvPr id="3" name="그림 2"/>
           <p:cNvPicPr>
             <a:picLocks noChangeAspect="1"/>
           </p:cNvPicPr>
@@ -9175,8 +8953,8 @@
         </p:blipFill>
         <p:spPr>
           <a:xfrm>
-            <a:off x="1496615" y="1926771"/>
-            <a:ext cx="5632939" cy="1632222"/>
+            <a:off x="1568624" y="2038782"/>
+            <a:ext cx="4271669" cy="1318210"/>
           </a:xfrm>
           <a:prstGeom prst="rect">
             <a:avLst/>
@@ -9210,7 +8988,7 @@
 </p:sld>
 </file>
 
-<file path=ppt/slides/slide28.xml><?xml version="1.0" encoding="utf-8"?>
+<file path=ppt/slides/slide27.xml><?xml version="1.0" encoding="utf-8"?>
 <p:sld xmlns:a="http://schemas.openxmlformats.org/drawingml/2006/main" xmlns:r="http://schemas.openxmlformats.org/officeDocument/2006/relationships" xmlns:p="http://schemas.openxmlformats.org/presentationml/2006/main">
   <p:cSld>
     <p:spTree>
@@ -9273,7 +9051,7 @@
           <a:p>
             <a:fld id="{1BDE3FE7-3AEA-4B05-AC5A-802D1816ACF0}" type="slidenum">
               <a:rPr lang="ko-KR" altLang="en-US" smtClean="0"/>
-              <a:t>28</a:t>
+              <a:t>27</a:t>
             </a:fld>
             <a:endParaRPr lang="ko-KR" altLang="en-US"/>
           </a:p>
@@ -9301,8 +9079,8 @@
         </p:blipFill>
         <p:spPr>
           <a:xfrm>
-            <a:off x="632520" y="1340768"/>
-            <a:ext cx="8753518" cy="4104456"/>
+            <a:off x="992560" y="1700808"/>
+            <a:ext cx="8105446" cy="3800580"/>
           </a:xfrm>
           <a:prstGeom prst="rect">
             <a:avLst/>
@@ -9336,7 +9114,7 @@
 </p:sld>
 </file>
 
-<file path=ppt/slides/slide29.xml><?xml version="1.0" encoding="utf-8"?>
+<file path=ppt/slides/slide28.xml><?xml version="1.0" encoding="utf-8"?>
 <p:sld xmlns:a="http://schemas.openxmlformats.org/drawingml/2006/main" xmlns:r="http://schemas.openxmlformats.org/officeDocument/2006/relationships" xmlns:p="http://schemas.openxmlformats.org/presentationml/2006/main">
   <p:cSld>
     <p:spTree>
@@ -9399,7 +9177,7 @@
           <a:p>
             <a:fld id="{1BDE3FE7-3AEA-4B05-AC5A-802D1816ACF0}" type="slidenum">
               <a:rPr lang="ko-KR" altLang="en-US" smtClean="0"/>
-              <a:t>29</a:t>
+              <a:t>28</a:t>
             </a:fld>
             <a:endParaRPr lang="ko-KR" altLang="en-US"/>
           </a:p>
@@ -9506,7 +9284,7 @@
       </p:sp>
       <p:pic>
         <p:nvPicPr>
-          <p:cNvPr id="3" name="그림 2"/>
+          <p:cNvPr id="7" name="그림 6"/>
           <p:cNvPicPr>
             <a:picLocks noChangeAspect="1"/>
           </p:cNvPicPr>
@@ -9526,8 +9304,8 @@
         </p:blipFill>
         <p:spPr>
           <a:xfrm>
-            <a:off x="1084312" y="2520888"/>
-            <a:ext cx="8116004" cy="2674852"/>
+            <a:off x="1208584" y="2414392"/>
+            <a:ext cx="7560976" cy="3735275"/>
           </a:xfrm>
           <a:prstGeom prst="rect">
             <a:avLst/>
@@ -9561,7 +9339,7 @@
 </p:sld>
 </file>
 
-<file path=ppt/slides/slide3.xml><?xml version="1.0" encoding="utf-8"?>
+<file path=ppt/slides/slide29.xml><?xml version="1.0" encoding="utf-8"?>
 <p:sld xmlns:a="http://schemas.openxmlformats.org/drawingml/2006/main" xmlns:r="http://schemas.openxmlformats.org/officeDocument/2006/relationships" xmlns:p="http://schemas.openxmlformats.org/presentationml/2006/main">
   <p:cSld>
     <p:spTree>
@@ -9600,16 +9378,8 @@
               <a:t> </a:t>
             </a:r>
             <a:r>
-              <a:rPr lang="en-US" altLang="ko-KR" dirty="0" smtClean="0"/>
-              <a:t>common </a:t>
-            </a:r>
-            <a:r>
-              <a:rPr lang="ko-KR" altLang="en-US" dirty="0" err="1" smtClean="0"/>
-              <a:t>앱</a:t>
-            </a:r>
-            <a:r>
               <a:rPr lang="ko-KR" altLang="en-US" dirty="0" smtClean="0"/>
-              <a:t> 생성하기 </a:t>
+              <a:t>회원 가입 구현하기</a:t>
             </a:r>
             <a:endParaRPr lang="ko-KR" altLang="en-US" dirty="0"/>
           </a:p>
@@ -9632,818 +9402,7 @@
           <a:p>
             <a:fld id="{1BDE3FE7-3AEA-4B05-AC5A-802D1816ACF0}" type="slidenum">
               <a:rPr lang="ko-KR" altLang="en-US" smtClean="0"/>
-              <a:t>3</a:t>
-            </a:fld>
-            <a:endParaRPr lang="ko-KR" altLang="en-US"/>
-          </a:p>
-        </p:txBody>
-      </p:sp>
-      <p:sp>
-        <p:nvSpPr>
-          <p:cNvPr id="5" name="TextBox 4"/>
-          <p:cNvSpPr txBox="1"/>
-          <p:nvPr/>
-        </p:nvSpPr>
-        <p:spPr>
-          <a:xfrm>
-            <a:off x="992560" y="1211268"/>
-            <a:ext cx="4896544" cy="553998"/>
-          </a:xfrm>
-          <a:prstGeom prst="rect">
-            <a:avLst/>
-          </a:prstGeom>
-          <a:ln>
-            <a:noFill/>
-          </a:ln>
-        </p:spPr>
-        <p:style>
-          <a:lnRef idx="2">
-            <a:schemeClr val="dk1"/>
-          </a:lnRef>
-          <a:fillRef idx="1">
-            <a:schemeClr val="lt1"/>
-          </a:fillRef>
-          <a:effectRef idx="0">
-            <a:schemeClr val="dk1"/>
-          </a:effectRef>
-          <a:fontRef idx="minor">
-            <a:schemeClr val="dk1"/>
-          </a:fontRef>
-        </p:style>
-        <p:txBody>
-          <a:bodyPr wrap="square" rtlCol="0">
-            <a:spAutoFit/>
-          </a:bodyPr>
-          <a:lstStyle/>
-          <a:p>
-            <a:pPr marL="342900" indent="-342900">
-              <a:lnSpc>
-                <a:spcPct val="150000"/>
-              </a:lnSpc>
-              <a:buFont typeface="Wingdings" panose="05000000000000000000" pitchFamily="2" charset="2"/>
-              <a:buChar char="l"/>
-            </a:pPr>
-            <a:r>
-              <a:rPr lang="en-US" altLang="ko-KR" sz="2000" dirty="0" smtClean="0">
-                <a:latin typeface="휴먼엑스포" panose="02030504000101010101" pitchFamily="18" charset="-127"/>
-                <a:ea typeface="휴먼엑스포" panose="02030504000101010101" pitchFamily="18" charset="-127"/>
-              </a:rPr>
-              <a:t>common </a:t>
-            </a:r>
-            <a:r>
-              <a:rPr lang="ko-KR" altLang="en-US" sz="2000" dirty="0" err="1" smtClean="0">
-                <a:latin typeface="휴먼엑스포" panose="02030504000101010101" pitchFamily="18" charset="-127"/>
-                <a:ea typeface="휴먼엑스포" panose="02030504000101010101" pitchFamily="18" charset="-127"/>
-              </a:rPr>
-              <a:t>앱</a:t>
-            </a:r>
-            <a:r>
-              <a:rPr lang="ko-KR" altLang="en-US" sz="2000" dirty="0" smtClean="0">
-                <a:latin typeface="휴먼엑스포" panose="02030504000101010101" pitchFamily="18" charset="-127"/>
-                <a:ea typeface="휴먼엑스포" panose="02030504000101010101" pitchFamily="18" charset="-127"/>
-              </a:rPr>
-              <a:t> 생성 후 초기 설정 작업</a:t>
-            </a:r>
-            <a:endParaRPr lang="en-US" altLang="ko-KR" sz="2000" dirty="0" smtClean="0">
-              <a:latin typeface="휴먼엑스포" panose="02030504000101010101" pitchFamily="18" charset="-127"/>
-              <a:ea typeface="휴먼엑스포" panose="02030504000101010101" pitchFamily="18" charset="-127"/>
-            </a:endParaRPr>
-          </a:p>
-        </p:txBody>
-      </p:sp>
-      <p:sp>
-        <p:nvSpPr>
-          <p:cNvPr id="6" name="TextBox 5"/>
-          <p:cNvSpPr txBox="1"/>
-          <p:nvPr/>
-        </p:nvSpPr>
-        <p:spPr>
-          <a:xfrm>
-            <a:off x="1208584" y="1700808"/>
-            <a:ext cx="6768752" cy="1754326"/>
-          </a:xfrm>
-          <a:prstGeom prst="rect">
-            <a:avLst/>
-          </a:prstGeom>
-          <a:noFill/>
-        </p:spPr>
-        <p:txBody>
-          <a:bodyPr wrap="square" rtlCol="0">
-            <a:spAutoFit/>
-          </a:bodyPr>
-          <a:lstStyle/>
-          <a:p>
-            <a:pPr marL="342900" indent="-342900">
-              <a:lnSpc>
-                <a:spcPct val="150000"/>
-              </a:lnSpc>
-              <a:buAutoNum type="arabicPeriod"/>
-            </a:pPr>
-            <a:r>
-              <a:rPr lang="en-US" altLang="ko-KR" dirty="0" smtClean="0"/>
-              <a:t>common </a:t>
-            </a:r>
-            <a:r>
-              <a:rPr lang="ko-KR" altLang="en-US" dirty="0" err="1" smtClean="0"/>
-              <a:t>앱</a:t>
-            </a:r>
-            <a:r>
-              <a:rPr lang="ko-KR" altLang="en-US" dirty="0" smtClean="0"/>
-              <a:t> 생성하기</a:t>
-            </a:r>
-            <a:endParaRPr lang="en-US" altLang="ko-KR" dirty="0"/>
-          </a:p>
-          <a:p>
-            <a:pPr marL="342900" indent="-342900">
-              <a:lnSpc>
-                <a:spcPct val="150000"/>
-              </a:lnSpc>
-              <a:buAutoNum type="arabicPeriod"/>
-            </a:pPr>
-            <a:endParaRPr lang="en-US" altLang="ko-KR" dirty="0" smtClean="0"/>
-          </a:p>
-          <a:p>
-            <a:pPr marL="342900" indent="-342900">
-              <a:lnSpc>
-                <a:spcPct val="150000"/>
-              </a:lnSpc>
-              <a:buAutoNum type="arabicPeriod"/>
-            </a:pPr>
-            <a:endParaRPr lang="en-US" altLang="ko-KR" dirty="0" smtClean="0"/>
-          </a:p>
-          <a:p>
-            <a:pPr marL="342900" indent="-342900">
-              <a:lnSpc>
-                <a:spcPct val="150000"/>
-              </a:lnSpc>
-              <a:buFontTx/>
-              <a:buAutoNum type="arabicPeriod"/>
-            </a:pPr>
-            <a:r>
-              <a:rPr lang="en-US" altLang="ko-KR" dirty="0"/>
-              <a:t>config/setting.py </a:t>
-            </a:r>
-            <a:r>
-              <a:rPr lang="ko-KR" altLang="en-US" dirty="0"/>
-              <a:t>에 </a:t>
-            </a:r>
-            <a:r>
-              <a:rPr lang="en-US" altLang="ko-KR" dirty="0" smtClean="0"/>
-              <a:t>‘common’</a:t>
-            </a:r>
-            <a:r>
-              <a:rPr lang="ko-KR" altLang="en-US" dirty="0" err="1"/>
-              <a:t>앱</a:t>
-            </a:r>
-            <a:r>
-              <a:rPr lang="ko-KR" altLang="en-US" dirty="0"/>
-              <a:t> 등록하기</a:t>
-            </a:r>
-            <a:endParaRPr lang="en-US" altLang="ko-KR" dirty="0"/>
-          </a:p>
-        </p:txBody>
-      </p:sp>
-      <p:sp>
-        <p:nvSpPr>
-          <p:cNvPr id="11" name="TextBox 10"/>
-          <p:cNvSpPr txBox="1"/>
-          <p:nvPr/>
-        </p:nvSpPr>
-        <p:spPr>
-          <a:xfrm>
-            <a:off x="1496616" y="2273097"/>
-            <a:ext cx="7632848" cy="507831"/>
-          </a:xfrm>
-          <a:prstGeom prst="rect">
-            <a:avLst/>
-          </a:prstGeom>
-          <a:solidFill>
-            <a:schemeClr val="bg1">
-              <a:lumMod val="95000"/>
-            </a:schemeClr>
-          </a:solidFill>
-        </p:spPr>
-        <p:txBody>
-          <a:bodyPr wrap="square" rtlCol="0">
-            <a:spAutoFit/>
-          </a:bodyPr>
-          <a:lstStyle/>
-          <a:p>
-            <a:pPr>
-              <a:lnSpc>
-                <a:spcPct val="150000"/>
-              </a:lnSpc>
-            </a:pPr>
-            <a:r>
-              <a:rPr lang="en-US" altLang="ko-KR" dirty="0" smtClean="0">
-                <a:latin typeface="Ebrima" panose="02000000000000000000" pitchFamily="2" charset="0"/>
-                <a:ea typeface="Ebrima" panose="02000000000000000000" pitchFamily="2" charset="0"/>
-                <a:cs typeface="Ebrima" panose="02000000000000000000" pitchFamily="2" charset="0"/>
-              </a:rPr>
-              <a:t>(</a:t>
-            </a:r>
-            <a:r>
-              <a:rPr lang="en-US" altLang="ko-KR" dirty="0" err="1" smtClean="0">
-                <a:latin typeface="Ebrima" panose="02000000000000000000" pitchFamily="2" charset="0"/>
-                <a:ea typeface="Ebrima" panose="02000000000000000000" pitchFamily="2" charset="0"/>
-                <a:cs typeface="Ebrima" panose="02000000000000000000" pitchFamily="2" charset="0"/>
-              </a:rPr>
-              <a:t>mysite</a:t>
-            </a:r>
-            <a:r>
-              <a:rPr lang="en-US" altLang="ko-KR" dirty="0" smtClean="0">
-                <a:latin typeface="Ebrima" panose="02000000000000000000" pitchFamily="2" charset="0"/>
-                <a:ea typeface="Ebrima" panose="02000000000000000000" pitchFamily="2" charset="0"/>
-                <a:cs typeface="Ebrima" panose="02000000000000000000" pitchFamily="2" charset="0"/>
-              </a:rPr>
-              <a:t>)</a:t>
-            </a:r>
-            <a:r>
-              <a:rPr lang="en-US" altLang="ko-KR" dirty="0">
-                <a:latin typeface="Ebrima" panose="02000000000000000000" pitchFamily="2" charset="0"/>
-                <a:ea typeface="Ebrima" panose="02000000000000000000" pitchFamily="2" charset="0"/>
-                <a:cs typeface="Ebrima" panose="02000000000000000000" pitchFamily="2" charset="0"/>
-              </a:rPr>
-              <a:t> C</a:t>
-            </a:r>
-            <a:r>
-              <a:rPr lang="en-US" altLang="ko-KR" dirty="0" smtClean="0">
-                <a:latin typeface="Ebrima" panose="02000000000000000000" pitchFamily="2" charset="0"/>
-                <a:ea typeface="Ebrima" panose="02000000000000000000" pitchFamily="2" charset="0"/>
-                <a:cs typeface="Ebrima" panose="02000000000000000000" pitchFamily="2" charset="0"/>
-              </a:rPr>
-              <a:t>:\webproject\pyweb&gt;</a:t>
-            </a:r>
-            <a:r>
-              <a:rPr lang="en-US" altLang="ko-KR" b="1" dirty="0" smtClean="0">
-                <a:latin typeface="Ebrima" panose="02000000000000000000" pitchFamily="2" charset="0"/>
-                <a:ea typeface="Ebrima" panose="02000000000000000000" pitchFamily="2" charset="0"/>
-                <a:cs typeface="Ebrima" panose="02000000000000000000" pitchFamily="2" charset="0"/>
-              </a:rPr>
-              <a:t>python manage.py </a:t>
-            </a:r>
-            <a:r>
-              <a:rPr lang="en-US" altLang="ko-KR" b="1" dirty="0" err="1" smtClean="0">
-                <a:latin typeface="Ebrima" panose="02000000000000000000" pitchFamily="2" charset="0"/>
-                <a:ea typeface="Ebrima" panose="02000000000000000000" pitchFamily="2" charset="0"/>
-                <a:cs typeface="Ebrima" panose="02000000000000000000" pitchFamily="2" charset="0"/>
-              </a:rPr>
-              <a:t>startapp</a:t>
-            </a:r>
-            <a:r>
-              <a:rPr lang="en-US" altLang="ko-KR" b="1" dirty="0" smtClean="0">
-                <a:latin typeface="Ebrima" panose="02000000000000000000" pitchFamily="2" charset="0"/>
-                <a:ea typeface="Ebrima" panose="02000000000000000000" pitchFamily="2" charset="0"/>
-                <a:cs typeface="Ebrima" panose="02000000000000000000" pitchFamily="2" charset="0"/>
-              </a:rPr>
-              <a:t> common </a:t>
-            </a:r>
-            <a:endParaRPr lang="en-US" altLang="ko-KR" b="1" dirty="0">
-              <a:latin typeface="Ebrima" panose="02000000000000000000" pitchFamily="2" charset="0"/>
-              <a:ea typeface="Ebrima" panose="02000000000000000000" pitchFamily="2" charset="0"/>
-              <a:cs typeface="Ebrima" panose="02000000000000000000" pitchFamily="2" charset="0"/>
-            </a:endParaRPr>
-          </a:p>
-        </p:txBody>
-      </p:sp>
-      <p:sp>
-        <p:nvSpPr>
-          <p:cNvPr id="12" name="TextBox 11"/>
-          <p:cNvSpPr txBox="1"/>
-          <p:nvPr/>
-        </p:nvSpPr>
-        <p:spPr>
-          <a:xfrm>
-            <a:off x="1784648" y="3595126"/>
-            <a:ext cx="5112568" cy="2677656"/>
-          </a:xfrm>
-          <a:prstGeom prst="rect">
-            <a:avLst/>
-          </a:prstGeom>
-          <a:noFill/>
-          <a:ln>
-            <a:solidFill>
-              <a:schemeClr val="bg1">
-                <a:lumMod val="85000"/>
-              </a:schemeClr>
-            </a:solidFill>
-          </a:ln>
-        </p:spPr>
-        <p:txBody>
-          <a:bodyPr wrap="square" rtlCol="0">
-            <a:spAutoFit/>
-          </a:bodyPr>
-          <a:lstStyle/>
-          <a:p>
-            <a:pPr>
-              <a:lnSpc>
-                <a:spcPct val="150000"/>
-              </a:lnSpc>
-            </a:pPr>
-            <a:r>
-              <a:rPr lang="en-US" altLang="ko-KR" sz="1600" dirty="0" smtClean="0"/>
-              <a:t>INSTALLED_APPS = [</a:t>
-            </a:r>
-          </a:p>
-          <a:p>
-            <a:pPr>
-              <a:lnSpc>
-                <a:spcPct val="150000"/>
-              </a:lnSpc>
-            </a:pPr>
-            <a:r>
-              <a:rPr lang="en-US" altLang="ko-KR" sz="1600" dirty="0"/>
-              <a:t> </a:t>
-            </a:r>
-            <a:r>
-              <a:rPr lang="en-US" altLang="ko-KR" sz="1600" dirty="0" smtClean="0"/>
-              <a:t>   </a:t>
-            </a:r>
-            <a:r>
-              <a:rPr lang="en-US" altLang="ko-KR" sz="1600" b="1" dirty="0" smtClean="0">
-                <a:solidFill>
-                  <a:srgbClr val="C00000"/>
-                </a:solidFill>
-              </a:rPr>
-              <a:t>‘common.’,</a:t>
-            </a:r>
-          </a:p>
-          <a:p>
-            <a:pPr>
-              <a:lnSpc>
-                <a:spcPct val="150000"/>
-              </a:lnSpc>
-            </a:pPr>
-            <a:r>
-              <a:rPr lang="en-US" altLang="ko-KR" sz="1600" b="1" dirty="0">
-                <a:solidFill>
-                  <a:srgbClr val="C00000"/>
-                </a:solidFill>
-              </a:rPr>
-              <a:t> </a:t>
-            </a:r>
-            <a:r>
-              <a:rPr lang="en-US" altLang="ko-KR" sz="1600" b="1" dirty="0" smtClean="0">
-                <a:solidFill>
-                  <a:srgbClr val="C00000"/>
-                </a:solidFill>
-              </a:rPr>
-              <a:t>   ‘board’,</a:t>
-            </a:r>
-          </a:p>
-          <a:p>
-            <a:pPr>
-              <a:lnSpc>
-                <a:spcPct val="150000"/>
-              </a:lnSpc>
-            </a:pPr>
-            <a:r>
-              <a:rPr lang="en-US" altLang="ko-KR" sz="1600" dirty="0"/>
-              <a:t> </a:t>
-            </a:r>
-            <a:r>
-              <a:rPr lang="en-US" altLang="ko-KR" sz="1600" dirty="0" smtClean="0"/>
-              <a:t>   ‘</a:t>
-            </a:r>
-            <a:r>
-              <a:rPr lang="en-US" altLang="ko-KR" sz="1600" dirty="0" err="1" smtClean="0"/>
-              <a:t>pybo.apps.PyboConfig</a:t>
-            </a:r>
-            <a:r>
-              <a:rPr lang="en-US" altLang="ko-KR" sz="1600" dirty="0" smtClean="0"/>
-              <a:t>’,</a:t>
-            </a:r>
-          </a:p>
-          <a:p>
-            <a:pPr>
-              <a:lnSpc>
-                <a:spcPct val="150000"/>
-              </a:lnSpc>
-            </a:pPr>
-            <a:r>
-              <a:rPr lang="en-US" altLang="ko-KR" sz="1600" dirty="0"/>
-              <a:t> </a:t>
-            </a:r>
-            <a:r>
-              <a:rPr lang="en-US" altLang="ko-KR" sz="1600" dirty="0" smtClean="0"/>
-              <a:t>   ‘</a:t>
-            </a:r>
-            <a:r>
-              <a:rPr lang="en-US" altLang="ko-KR" sz="1600" dirty="0" err="1" smtClean="0"/>
-              <a:t>django.contrib.admin</a:t>
-            </a:r>
-            <a:r>
-              <a:rPr lang="en-US" altLang="ko-KR" sz="1600" dirty="0" smtClean="0"/>
-              <a:t>’,</a:t>
-            </a:r>
-          </a:p>
-          <a:p>
-            <a:pPr>
-              <a:lnSpc>
-                <a:spcPct val="150000"/>
-              </a:lnSpc>
-            </a:pPr>
-            <a:r>
-              <a:rPr lang="en-US" altLang="ko-KR" sz="1600" dirty="0"/>
-              <a:t> </a:t>
-            </a:r>
-            <a:r>
-              <a:rPr lang="en-US" altLang="ko-KR" sz="1600" dirty="0" smtClean="0"/>
-              <a:t>   </a:t>
-            </a:r>
-            <a:r>
-              <a:rPr lang="en-US" altLang="ko-KR" sz="1600" dirty="0"/>
-              <a:t>‘</a:t>
-            </a:r>
-            <a:r>
-              <a:rPr lang="en-US" altLang="ko-KR" sz="1600" dirty="0" err="1" smtClean="0"/>
-              <a:t>django.contrib.auth</a:t>
-            </a:r>
-            <a:r>
-              <a:rPr lang="en-US" altLang="ko-KR" sz="1600" dirty="0" smtClean="0"/>
-              <a:t>’,</a:t>
-            </a:r>
-            <a:endParaRPr lang="en-US" altLang="ko-KR" sz="1600" dirty="0"/>
-          </a:p>
-          <a:p>
-            <a:pPr>
-              <a:lnSpc>
-                <a:spcPct val="150000"/>
-              </a:lnSpc>
-            </a:pPr>
-            <a:r>
-              <a:rPr lang="en-US" altLang="ko-KR" sz="1600" dirty="0" smtClean="0"/>
-              <a:t>]</a:t>
-            </a:r>
-            <a:endParaRPr lang="ko-KR" altLang="en-US" sz="1600" dirty="0"/>
-          </a:p>
-        </p:txBody>
-      </p:sp>
-    </p:spTree>
-    <p:extLst>
-      <p:ext uri="{BB962C8B-B14F-4D97-AF65-F5344CB8AC3E}">
-        <p14:creationId xmlns:p14="http://schemas.microsoft.com/office/powerpoint/2010/main" val="4225339422"/>
-      </p:ext>
-    </p:extLst>
-  </p:cSld>
-  <p:clrMapOvr>
-    <a:masterClrMapping/>
-  </p:clrMapOvr>
-  <p:timing>
-    <p:tnLst>
-      <p:par>
-        <p:cTn id="1" dur="indefinite" restart="never" nodeType="tmRoot"/>
-      </p:par>
-    </p:tnLst>
-  </p:timing>
-</p:sld>
-</file>
-
-<file path=ppt/slides/slide30.xml><?xml version="1.0" encoding="utf-8"?>
-<p:sld xmlns:a="http://schemas.openxmlformats.org/drawingml/2006/main" xmlns:r="http://schemas.openxmlformats.org/officeDocument/2006/relationships" xmlns:p="http://schemas.openxmlformats.org/presentationml/2006/main">
-  <p:cSld>
-    <p:spTree>
-      <p:nvGrpSpPr>
-        <p:cNvPr id="1" name=""/>
-        <p:cNvGrpSpPr/>
-        <p:nvPr/>
-      </p:nvGrpSpPr>
-      <p:grpSpPr>
-        <a:xfrm>
-          <a:off x="0" y="0"/>
-          <a:ext cx="0" cy="0"/>
-          <a:chOff x="0" y="0"/>
-          <a:chExt cx="0" cy="0"/>
-        </a:xfrm>
-      </p:grpSpPr>
-      <p:sp>
-        <p:nvSpPr>
-          <p:cNvPr id="2" name="제목 1"/>
-          <p:cNvSpPr>
-            <a:spLocks noGrp="1"/>
-          </p:cNvSpPr>
-          <p:nvPr>
-            <p:ph type="title"/>
-          </p:nvPr>
-        </p:nvSpPr>
-        <p:spPr/>
-        <p:txBody>
-          <a:bodyPr>
-            <a:normAutofit/>
-          </a:bodyPr>
-          <a:lstStyle/>
-          <a:p>
-            <a:r>
-              <a:rPr lang="en-US" altLang="ko-KR" dirty="0"/>
-              <a:t> </a:t>
-            </a:r>
-            <a:r>
-              <a:rPr lang="ko-KR" altLang="en-US" dirty="0" smtClean="0"/>
-              <a:t>회원 가입 구현하기</a:t>
-            </a:r>
-            <a:endParaRPr lang="ko-KR" altLang="en-US" dirty="0"/>
-          </a:p>
-        </p:txBody>
-      </p:sp>
-      <p:sp>
-        <p:nvSpPr>
-          <p:cNvPr id="4" name="슬라이드 번호 개체 틀 3"/>
-          <p:cNvSpPr>
-            <a:spLocks noGrp="1"/>
-          </p:cNvSpPr>
-          <p:nvPr>
-            <p:ph type="sldNum" sz="quarter" idx="12"/>
-          </p:nvPr>
-        </p:nvSpPr>
-        <p:spPr/>
-        <p:txBody>
-          <a:bodyPr/>
-          <a:lstStyle/>
-          <a:p>
-            <a:fld id="{1BDE3FE7-3AEA-4B05-AC5A-802D1816ACF0}" type="slidenum">
-              <a:rPr lang="ko-KR" altLang="en-US" smtClean="0"/>
-              <a:t>30</a:t>
-            </a:fld>
-            <a:endParaRPr lang="ko-KR" altLang="en-US"/>
-          </a:p>
-        </p:txBody>
-      </p:sp>
-      <p:sp>
-        <p:nvSpPr>
-          <p:cNvPr id="6" name="TextBox 5"/>
-          <p:cNvSpPr txBox="1"/>
-          <p:nvPr/>
-        </p:nvSpPr>
-        <p:spPr>
-          <a:xfrm>
-            <a:off x="1280592" y="1340768"/>
-            <a:ext cx="6768752" cy="454292"/>
-          </a:xfrm>
-          <a:prstGeom prst="rect">
-            <a:avLst/>
-          </a:prstGeom>
-          <a:noFill/>
-        </p:spPr>
-        <p:txBody>
-          <a:bodyPr wrap="square" rtlCol="0">
-            <a:spAutoFit/>
-          </a:bodyPr>
-          <a:lstStyle/>
-          <a:p>
-            <a:pPr marL="342900" indent="-342900">
-              <a:lnSpc>
-                <a:spcPct val="150000"/>
-              </a:lnSpc>
-              <a:buFont typeface="+mj-lt"/>
-              <a:buAutoNum type="arabicPeriod" startAt="2"/>
-            </a:pPr>
-            <a:r>
-              <a:rPr lang="ko-KR" altLang="en-US" dirty="0" smtClean="0"/>
-              <a:t>회원가입 </a:t>
-            </a:r>
-            <a:r>
-              <a:rPr lang="en-US" altLang="ko-KR" dirty="0" smtClean="0"/>
-              <a:t>URL </a:t>
-            </a:r>
-            <a:r>
-              <a:rPr lang="ko-KR" altLang="en-US" dirty="0" err="1" smtClean="0"/>
-              <a:t>매핑</a:t>
-            </a:r>
-            <a:r>
-              <a:rPr lang="ko-KR" altLang="en-US" dirty="0" smtClean="0"/>
-              <a:t> 추가하기 </a:t>
-            </a:r>
-            <a:r>
-              <a:rPr lang="en-US" altLang="ko-KR" dirty="0" smtClean="0"/>
-              <a:t>– common/urls.py</a:t>
-            </a:r>
-            <a:endParaRPr lang="en-US" altLang="ko-KR" dirty="0"/>
-          </a:p>
-        </p:txBody>
-      </p:sp>
-      <p:sp>
-        <p:nvSpPr>
-          <p:cNvPr id="7" name="TextBox 6"/>
-          <p:cNvSpPr txBox="1"/>
-          <p:nvPr/>
-        </p:nvSpPr>
-        <p:spPr>
-          <a:xfrm>
-            <a:off x="1712640" y="1942966"/>
-            <a:ext cx="5400600" cy="1938992"/>
-          </a:xfrm>
-          <a:prstGeom prst="rect">
-            <a:avLst/>
-          </a:prstGeom>
-          <a:noFill/>
-          <a:ln>
-            <a:solidFill>
-              <a:schemeClr val="bg1">
-                <a:lumMod val="85000"/>
-              </a:schemeClr>
-            </a:solidFill>
-          </a:ln>
-        </p:spPr>
-        <p:txBody>
-          <a:bodyPr wrap="square" rtlCol="0">
-            <a:spAutoFit/>
-          </a:bodyPr>
-          <a:lstStyle/>
-          <a:p>
-            <a:pPr>
-              <a:lnSpc>
-                <a:spcPct val="150000"/>
-              </a:lnSpc>
-            </a:pPr>
-            <a:r>
-              <a:rPr lang="en-US" altLang="ko-KR" sz="1600" dirty="0" smtClean="0"/>
-              <a:t>from </a:t>
-            </a:r>
-            <a:r>
-              <a:rPr lang="en-US" altLang="ko-KR" sz="1600" dirty="0"/>
-              <a:t>.</a:t>
-            </a:r>
-            <a:r>
-              <a:rPr lang="en-US" altLang="ko-KR" sz="1600" dirty="0" smtClean="0"/>
-              <a:t> import views</a:t>
-            </a:r>
-          </a:p>
-          <a:p>
-            <a:pPr>
-              <a:lnSpc>
-                <a:spcPct val="150000"/>
-              </a:lnSpc>
-            </a:pPr>
-            <a:r>
-              <a:rPr lang="en-US" altLang="ko-KR" sz="1600" dirty="0" err="1"/>
-              <a:t>u</a:t>
-            </a:r>
-            <a:r>
-              <a:rPr lang="en-US" altLang="ko-KR" sz="1600" dirty="0" err="1" smtClean="0"/>
-              <a:t>rlpatterns</a:t>
-            </a:r>
-            <a:r>
-              <a:rPr lang="en-US" altLang="ko-KR" sz="1600" dirty="0" smtClean="0"/>
-              <a:t> = [</a:t>
-            </a:r>
-          </a:p>
-          <a:p>
-            <a:pPr>
-              <a:lnSpc>
-                <a:spcPct val="150000"/>
-              </a:lnSpc>
-            </a:pPr>
-            <a:r>
-              <a:rPr lang="en-US" altLang="ko-KR" sz="1600" dirty="0"/>
-              <a:t> </a:t>
-            </a:r>
-            <a:r>
-              <a:rPr lang="en-US" altLang="ko-KR" sz="1600" dirty="0" smtClean="0"/>
-              <a:t>   ….</a:t>
-            </a:r>
-          </a:p>
-          <a:p>
-            <a:pPr>
-              <a:lnSpc>
-                <a:spcPct val="150000"/>
-              </a:lnSpc>
-            </a:pPr>
-            <a:r>
-              <a:rPr lang="en-US" altLang="ko-KR" sz="1600" b="1" dirty="0">
-                <a:solidFill>
-                  <a:srgbClr val="C00000"/>
-                </a:solidFill>
-              </a:rPr>
-              <a:t> </a:t>
-            </a:r>
-            <a:r>
-              <a:rPr lang="en-US" altLang="ko-KR" sz="1600" b="1" dirty="0" smtClean="0">
-                <a:solidFill>
-                  <a:srgbClr val="C00000"/>
-                </a:solidFill>
-              </a:rPr>
-              <a:t>   path(‘signup/’, </a:t>
-            </a:r>
-            <a:r>
-              <a:rPr lang="en-US" altLang="ko-KR" sz="1600" b="1" dirty="0" err="1" smtClean="0">
-                <a:solidFill>
-                  <a:srgbClr val="C00000"/>
-                </a:solidFill>
-              </a:rPr>
-              <a:t>views.signup</a:t>
-            </a:r>
-            <a:r>
-              <a:rPr lang="en-US" altLang="ko-KR" sz="1600" b="1" dirty="0" smtClean="0">
-                <a:solidFill>
-                  <a:srgbClr val="C00000"/>
-                </a:solidFill>
-              </a:rPr>
-              <a:t>, name=‘signup’),</a:t>
-            </a:r>
-            <a:endParaRPr lang="en-US" altLang="ko-KR" sz="1600" b="1" dirty="0">
-              <a:solidFill>
-                <a:srgbClr val="C00000"/>
-              </a:solidFill>
-            </a:endParaRPr>
-          </a:p>
-          <a:p>
-            <a:pPr>
-              <a:lnSpc>
-                <a:spcPct val="150000"/>
-              </a:lnSpc>
-            </a:pPr>
-            <a:r>
-              <a:rPr lang="en-US" altLang="ko-KR" sz="1600" dirty="0" smtClean="0"/>
-              <a:t>]</a:t>
-            </a:r>
-            <a:endParaRPr lang="ko-KR" altLang="en-US" sz="1600" dirty="0"/>
-          </a:p>
-        </p:txBody>
-      </p:sp>
-    </p:spTree>
-    <p:extLst>
-      <p:ext uri="{BB962C8B-B14F-4D97-AF65-F5344CB8AC3E}">
-        <p14:creationId xmlns:p14="http://schemas.microsoft.com/office/powerpoint/2010/main" val="3048253397"/>
-      </p:ext>
-    </p:extLst>
-  </p:cSld>
-  <p:clrMapOvr>
-    <a:masterClrMapping/>
-  </p:clrMapOvr>
-  <p:timing>
-    <p:tnLst>
-      <p:par>
-        <p:cTn id="1" dur="indefinite" restart="never" nodeType="tmRoot"/>
-      </p:par>
-    </p:tnLst>
-  </p:timing>
-</p:sld>
-</file>
-
-<file path=ppt/slides/slide31.xml><?xml version="1.0" encoding="utf-8"?>
-<p:sld xmlns:a="http://schemas.openxmlformats.org/drawingml/2006/main" xmlns:r="http://schemas.openxmlformats.org/officeDocument/2006/relationships" xmlns:p="http://schemas.openxmlformats.org/presentationml/2006/main">
-  <p:cSld>
-    <p:spTree>
-      <p:nvGrpSpPr>
-        <p:cNvPr id="1" name=""/>
-        <p:cNvGrpSpPr/>
-        <p:nvPr/>
-      </p:nvGrpSpPr>
-      <p:grpSpPr>
-        <a:xfrm>
-          <a:off x="0" y="0"/>
-          <a:ext cx="0" cy="0"/>
-          <a:chOff x="0" y="0"/>
-          <a:chExt cx="0" cy="0"/>
-        </a:xfrm>
-      </p:grpSpPr>
-      <p:sp>
-        <p:nvSpPr>
-          <p:cNvPr id="2" name="제목 1"/>
-          <p:cNvSpPr>
-            <a:spLocks noGrp="1"/>
-          </p:cNvSpPr>
-          <p:nvPr>
-            <p:ph type="title"/>
-          </p:nvPr>
-        </p:nvSpPr>
-        <p:spPr/>
-        <p:txBody>
-          <a:bodyPr>
-            <a:normAutofit/>
-          </a:bodyPr>
-          <a:lstStyle/>
-          <a:p>
-            <a:r>
-              <a:rPr lang="en-US" altLang="ko-KR" dirty="0"/>
-              <a:t> </a:t>
-            </a:r>
-            <a:r>
-              <a:rPr lang="ko-KR" altLang="en-US" dirty="0" smtClean="0"/>
-              <a:t>회원 가입 구현하기</a:t>
-            </a:r>
-            <a:endParaRPr lang="ko-KR" altLang="en-US" dirty="0"/>
-          </a:p>
-        </p:txBody>
-      </p:sp>
-      <p:sp>
-        <p:nvSpPr>
-          <p:cNvPr id="4" name="슬라이드 번호 개체 틀 3"/>
-          <p:cNvSpPr>
-            <a:spLocks noGrp="1"/>
-          </p:cNvSpPr>
-          <p:nvPr>
-            <p:ph type="sldNum" sz="quarter" idx="12"/>
-          </p:nvPr>
-        </p:nvSpPr>
-        <p:spPr/>
-        <p:txBody>
-          <a:bodyPr/>
-          <a:lstStyle/>
-          <a:p>
-            <a:fld id="{1BDE3FE7-3AEA-4B05-AC5A-802D1816ACF0}" type="slidenum">
-              <a:rPr lang="ko-KR" altLang="en-US" smtClean="0"/>
-              <a:t>31</a:t>
+              <a:t>29</a:t>
             </a:fld>
             <a:endParaRPr lang="ko-KR" altLang="en-US"/>
           </a:p>
@@ -10593,7 +9552,7 @@
 </p:sld>
 </file>
 
-<file path=ppt/slides/slide32.xml><?xml version="1.0" encoding="utf-8"?>
+<file path=ppt/slides/slide3.xml><?xml version="1.0" encoding="utf-8"?>
 <p:sld xmlns:a="http://schemas.openxmlformats.org/drawingml/2006/main" xmlns:r="http://schemas.openxmlformats.org/officeDocument/2006/relationships" xmlns:p="http://schemas.openxmlformats.org/presentationml/2006/main">
   <p:cSld>
     <p:spTree>
@@ -10632,8 +9591,16 @@
               <a:t> </a:t>
             </a:r>
             <a:r>
+              <a:rPr lang="en-US" altLang="ko-KR" dirty="0" smtClean="0"/>
+              <a:t>common </a:t>
+            </a:r>
+            <a:r>
+              <a:rPr lang="ko-KR" altLang="en-US" dirty="0" err="1" smtClean="0"/>
+              <a:t>앱</a:t>
+            </a:r>
+            <a:r>
               <a:rPr lang="ko-KR" altLang="en-US" dirty="0" smtClean="0"/>
-              <a:t>회원 가입 구현하기</a:t>
+              <a:t> 생성하기 </a:t>
             </a:r>
             <a:endParaRPr lang="ko-KR" altLang="en-US" dirty="0"/>
           </a:p>
@@ -10656,7 +9623,529 @@
           <a:p>
             <a:fld id="{1BDE3FE7-3AEA-4B05-AC5A-802D1816ACF0}" type="slidenum">
               <a:rPr lang="ko-KR" altLang="en-US" smtClean="0"/>
-              <a:t>32</a:t>
+              <a:t>3</a:t>
+            </a:fld>
+            <a:endParaRPr lang="ko-KR" altLang="en-US"/>
+          </a:p>
+        </p:txBody>
+      </p:sp>
+      <p:sp>
+        <p:nvSpPr>
+          <p:cNvPr id="5" name="TextBox 4"/>
+          <p:cNvSpPr txBox="1"/>
+          <p:nvPr/>
+        </p:nvSpPr>
+        <p:spPr>
+          <a:xfrm>
+            <a:off x="992560" y="1211268"/>
+            <a:ext cx="4896544" cy="553998"/>
+          </a:xfrm>
+          <a:prstGeom prst="rect">
+            <a:avLst/>
+          </a:prstGeom>
+          <a:ln>
+            <a:noFill/>
+          </a:ln>
+        </p:spPr>
+        <p:style>
+          <a:lnRef idx="2">
+            <a:schemeClr val="dk1"/>
+          </a:lnRef>
+          <a:fillRef idx="1">
+            <a:schemeClr val="lt1"/>
+          </a:fillRef>
+          <a:effectRef idx="0">
+            <a:schemeClr val="dk1"/>
+          </a:effectRef>
+          <a:fontRef idx="minor">
+            <a:schemeClr val="dk1"/>
+          </a:fontRef>
+        </p:style>
+        <p:txBody>
+          <a:bodyPr wrap="square" rtlCol="0">
+            <a:spAutoFit/>
+          </a:bodyPr>
+          <a:lstStyle/>
+          <a:p>
+            <a:pPr marL="342900" indent="-342900">
+              <a:lnSpc>
+                <a:spcPct val="150000"/>
+              </a:lnSpc>
+              <a:buFont typeface="Wingdings" panose="05000000000000000000" pitchFamily="2" charset="2"/>
+              <a:buChar char="l"/>
+            </a:pPr>
+            <a:r>
+              <a:rPr lang="en-US" altLang="ko-KR" sz="2000" dirty="0" smtClean="0">
+                <a:latin typeface="휴먼엑스포" panose="02030504000101010101" pitchFamily="18" charset="-127"/>
+                <a:ea typeface="휴먼엑스포" panose="02030504000101010101" pitchFamily="18" charset="-127"/>
+              </a:rPr>
+              <a:t>common </a:t>
+            </a:r>
+            <a:r>
+              <a:rPr lang="ko-KR" altLang="en-US" sz="2000" dirty="0" err="1" smtClean="0">
+                <a:latin typeface="휴먼엑스포" panose="02030504000101010101" pitchFamily="18" charset="-127"/>
+                <a:ea typeface="휴먼엑스포" panose="02030504000101010101" pitchFamily="18" charset="-127"/>
+              </a:rPr>
+              <a:t>앱</a:t>
+            </a:r>
+            <a:r>
+              <a:rPr lang="ko-KR" altLang="en-US" sz="2000" dirty="0" smtClean="0">
+                <a:latin typeface="휴먼엑스포" panose="02030504000101010101" pitchFamily="18" charset="-127"/>
+                <a:ea typeface="휴먼엑스포" panose="02030504000101010101" pitchFamily="18" charset="-127"/>
+              </a:rPr>
+              <a:t> 생성 후 초기 설정 작업</a:t>
+            </a:r>
+            <a:endParaRPr lang="en-US" altLang="ko-KR" sz="2000" dirty="0" smtClean="0">
+              <a:latin typeface="휴먼엑스포" panose="02030504000101010101" pitchFamily="18" charset="-127"/>
+              <a:ea typeface="휴먼엑스포" panose="02030504000101010101" pitchFamily="18" charset="-127"/>
+            </a:endParaRPr>
+          </a:p>
+        </p:txBody>
+      </p:sp>
+      <p:sp>
+        <p:nvSpPr>
+          <p:cNvPr id="6" name="TextBox 5"/>
+          <p:cNvSpPr txBox="1"/>
+          <p:nvPr/>
+        </p:nvSpPr>
+        <p:spPr>
+          <a:xfrm>
+            <a:off x="1208584" y="1700808"/>
+            <a:ext cx="6768752" cy="1754326"/>
+          </a:xfrm>
+          <a:prstGeom prst="rect">
+            <a:avLst/>
+          </a:prstGeom>
+          <a:noFill/>
+        </p:spPr>
+        <p:txBody>
+          <a:bodyPr wrap="square" rtlCol="0">
+            <a:spAutoFit/>
+          </a:bodyPr>
+          <a:lstStyle/>
+          <a:p>
+            <a:pPr marL="342900" indent="-342900">
+              <a:lnSpc>
+                <a:spcPct val="150000"/>
+              </a:lnSpc>
+              <a:buAutoNum type="arabicPeriod"/>
+            </a:pPr>
+            <a:r>
+              <a:rPr lang="en-US" altLang="ko-KR" dirty="0" smtClean="0"/>
+              <a:t>common </a:t>
+            </a:r>
+            <a:r>
+              <a:rPr lang="ko-KR" altLang="en-US" dirty="0" err="1" smtClean="0"/>
+              <a:t>앱</a:t>
+            </a:r>
+            <a:r>
+              <a:rPr lang="ko-KR" altLang="en-US" dirty="0" smtClean="0"/>
+              <a:t> 생성하기</a:t>
+            </a:r>
+            <a:endParaRPr lang="en-US" altLang="ko-KR" dirty="0"/>
+          </a:p>
+          <a:p>
+            <a:pPr marL="342900" indent="-342900">
+              <a:lnSpc>
+                <a:spcPct val="150000"/>
+              </a:lnSpc>
+              <a:buAutoNum type="arabicPeriod"/>
+            </a:pPr>
+            <a:endParaRPr lang="en-US" altLang="ko-KR" dirty="0" smtClean="0"/>
+          </a:p>
+          <a:p>
+            <a:pPr marL="342900" indent="-342900">
+              <a:lnSpc>
+                <a:spcPct val="150000"/>
+              </a:lnSpc>
+              <a:buAutoNum type="arabicPeriod"/>
+            </a:pPr>
+            <a:endParaRPr lang="en-US" altLang="ko-KR" dirty="0" smtClean="0"/>
+          </a:p>
+          <a:p>
+            <a:pPr marL="342900" indent="-342900">
+              <a:lnSpc>
+                <a:spcPct val="150000"/>
+              </a:lnSpc>
+              <a:buFontTx/>
+              <a:buAutoNum type="arabicPeriod"/>
+            </a:pPr>
+            <a:r>
+              <a:rPr lang="en-US" altLang="ko-KR" dirty="0"/>
+              <a:t>config/setting.py </a:t>
+            </a:r>
+            <a:r>
+              <a:rPr lang="ko-KR" altLang="en-US" dirty="0"/>
+              <a:t>에 </a:t>
+            </a:r>
+            <a:r>
+              <a:rPr lang="en-US" altLang="ko-KR" dirty="0" smtClean="0"/>
+              <a:t>‘common’</a:t>
+            </a:r>
+            <a:r>
+              <a:rPr lang="ko-KR" altLang="en-US" dirty="0" err="1"/>
+              <a:t>앱</a:t>
+            </a:r>
+            <a:r>
+              <a:rPr lang="ko-KR" altLang="en-US" dirty="0"/>
+              <a:t> 등록하기</a:t>
+            </a:r>
+            <a:endParaRPr lang="en-US" altLang="ko-KR" dirty="0"/>
+          </a:p>
+        </p:txBody>
+      </p:sp>
+      <p:sp>
+        <p:nvSpPr>
+          <p:cNvPr id="11" name="TextBox 10"/>
+          <p:cNvSpPr txBox="1"/>
+          <p:nvPr/>
+        </p:nvSpPr>
+        <p:spPr>
+          <a:xfrm>
+            <a:off x="1496616" y="2273097"/>
+            <a:ext cx="7632848" cy="507831"/>
+          </a:xfrm>
+          <a:prstGeom prst="rect">
+            <a:avLst/>
+          </a:prstGeom>
+          <a:solidFill>
+            <a:schemeClr val="bg1">
+              <a:lumMod val="95000"/>
+            </a:schemeClr>
+          </a:solidFill>
+        </p:spPr>
+        <p:txBody>
+          <a:bodyPr wrap="square" rtlCol="0">
+            <a:spAutoFit/>
+          </a:bodyPr>
+          <a:lstStyle/>
+          <a:p>
+            <a:pPr>
+              <a:lnSpc>
+                <a:spcPct val="150000"/>
+              </a:lnSpc>
+            </a:pPr>
+            <a:r>
+              <a:rPr lang="en-US" altLang="ko-KR" dirty="0">
+                <a:latin typeface="Ebrima" panose="02000000000000000000" pitchFamily="2" charset="0"/>
+                <a:ea typeface="Ebrima" panose="02000000000000000000" pitchFamily="2" charset="0"/>
+                <a:cs typeface="Ebrima" panose="02000000000000000000" pitchFamily="2" charset="0"/>
+              </a:rPr>
+              <a:t>(</a:t>
+            </a:r>
+            <a:r>
+              <a:rPr lang="en-US" altLang="ko-KR" dirty="0" err="1">
+                <a:latin typeface="Ebrima" panose="02000000000000000000" pitchFamily="2" charset="0"/>
+                <a:ea typeface="Ebrima" panose="02000000000000000000" pitchFamily="2" charset="0"/>
+                <a:cs typeface="Ebrima" panose="02000000000000000000" pitchFamily="2" charset="0"/>
+              </a:rPr>
+              <a:t>myvenv</a:t>
+            </a:r>
+            <a:r>
+              <a:rPr lang="en-US" altLang="ko-KR" dirty="0">
+                <a:latin typeface="Ebrima" panose="02000000000000000000" pitchFamily="2" charset="0"/>
+                <a:ea typeface="Ebrima" panose="02000000000000000000" pitchFamily="2" charset="0"/>
+                <a:cs typeface="Ebrima" panose="02000000000000000000" pitchFamily="2" charset="0"/>
+              </a:rPr>
+              <a:t>) C:\mypyweb\pyweb&gt;</a:t>
+            </a:r>
+            <a:r>
+              <a:rPr lang="en-US" altLang="ko-KR" b="1" dirty="0" smtClean="0">
+                <a:latin typeface="Ebrima" panose="02000000000000000000" pitchFamily="2" charset="0"/>
+                <a:ea typeface="Ebrima" panose="02000000000000000000" pitchFamily="2" charset="0"/>
+                <a:cs typeface="Ebrima" panose="02000000000000000000" pitchFamily="2" charset="0"/>
+              </a:rPr>
+              <a:t>python </a:t>
+            </a:r>
+            <a:r>
+              <a:rPr lang="en-US" altLang="ko-KR" b="1" dirty="0" smtClean="0">
+                <a:latin typeface="Ebrima" panose="02000000000000000000" pitchFamily="2" charset="0"/>
+                <a:ea typeface="Ebrima" panose="02000000000000000000" pitchFamily="2" charset="0"/>
+                <a:cs typeface="Ebrima" panose="02000000000000000000" pitchFamily="2" charset="0"/>
+              </a:rPr>
+              <a:t>manage.py </a:t>
+            </a:r>
+            <a:r>
+              <a:rPr lang="en-US" altLang="ko-KR" b="1" dirty="0" err="1" smtClean="0">
+                <a:latin typeface="Ebrima" panose="02000000000000000000" pitchFamily="2" charset="0"/>
+                <a:ea typeface="Ebrima" panose="02000000000000000000" pitchFamily="2" charset="0"/>
+                <a:cs typeface="Ebrima" panose="02000000000000000000" pitchFamily="2" charset="0"/>
+              </a:rPr>
+              <a:t>startapp</a:t>
+            </a:r>
+            <a:r>
+              <a:rPr lang="en-US" altLang="ko-KR" b="1" dirty="0" smtClean="0">
+                <a:latin typeface="Ebrima" panose="02000000000000000000" pitchFamily="2" charset="0"/>
+                <a:ea typeface="Ebrima" panose="02000000000000000000" pitchFamily="2" charset="0"/>
+                <a:cs typeface="Ebrima" panose="02000000000000000000" pitchFamily="2" charset="0"/>
+              </a:rPr>
+              <a:t> common </a:t>
+            </a:r>
+            <a:endParaRPr lang="en-US" altLang="ko-KR" b="1" dirty="0">
+              <a:latin typeface="Ebrima" panose="02000000000000000000" pitchFamily="2" charset="0"/>
+              <a:ea typeface="Ebrima" panose="02000000000000000000" pitchFamily="2" charset="0"/>
+              <a:cs typeface="Ebrima" panose="02000000000000000000" pitchFamily="2" charset="0"/>
+            </a:endParaRPr>
+          </a:p>
+        </p:txBody>
+      </p:sp>
+      <p:sp>
+        <p:nvSpPr>
+          <p:cNvPr id="12" name="TextBox 11"/>
+          <p:cNvSpPr txBox="1"/>
+          <p:nvPr/>
+        </p:nvSpPr>
+        <p:spPr>
+          <a:xfrm>
+            <a:off x="1784648" y="3595126"/>
+            <a:ext cx="5112568" cy="2677656"/>
+          </a:xfrm>
+          <a:prstGeom prst="rect">
+            <a:avLst/>
+          </a:prstGeom>
+          <a:noFill/>
+          <a:ln>
+            <a:solidFill>
+              <a:schemeClr val="bg1">
+                <a:lumMod val="85000"/>
+              </a:schemeClr>
+            </a:solidFill>
+          </a:ln>
+        </p:spPr>
+        <p:txBody>
+          <a:bodyPr wrap="square" rtlCol="0">
+            <a:spAutoFit/>
+          </a:bodyPr>
+          <a:lstStyle/>
+          <a:p>
+            <a:pPr>
+              <a:lnSpc>
+                <a:spcPct val="150000"/>
+              </a:lnSpc>
+            </a:pPr>
+            <a:r>
+              <a:rPr lang="en-US" altLang="ko-KR" sz="1600" dirty="0" smtClean="0"/>
+              <a:t>INSTALLED_APPS = [</a:t>
+            </a:r>
+          </a:p>
+          <a:p>
+            <a:pPr>
+              <a:lnSpc>
+                <a:spcPct val="150000"/>
+              </a:lnSpc>
+            </a:pPr>
+            <a:r>
+              <a:rPr lang="en-US" altLang="ko-KR" sz="1600" dirty="0"/>
+              <a:t> </a:t>
+            </a:r>
+            <a:r>
+              <a:rPr lang="en-US" altLang="ko-KR" sz="1600" dirty="0" smtClean="0"/>
+              <a:t>   </a:t>
+            </a:r>
+            <a:r>
+              <a:rPr lang="en-US" altLang="ko-KR" sz="1600" b="1" dirty="0" smtClean="0">
+                <a:solidFill>
+                  <a:srgbClr val="C00000"/>
+                </a:solidFill>
+              </a:rPr>
+              <a:t>‘common.’,</a:t>
+            </a:r>
+          </a:p>
+          <a:p>
+            <a:pPr>
+              <a:lnSpc>
+                <a:spcPct val="150000"/>
+              </a:lnSpc>
+            </a:pPr>
+            <a:r>
+              <a:rPr lang="en-US" altLang="ko-KR" sz="1600" b="1" dirty="0">
+                <a:solidFill>
+                  <a:srgbClr val="C00000"/>
+                </a:solidFill>
+              </a:rPr>
+              <a:t> </a:t>
+            </a:r>
+            <a:r>
+              <a:rPr lang="en-US" altLang="ko-KR" sz="1600" b="1" dirty="0" smtClean="0">
+                <a:solidFill>
+                  <a:srgbClr val="C00000"/>
+                </a:solidFill>
+              </a:rPr>
+              <a:t>   ‘board’,</a:t>
+            </a:r>
+          </a:p>
+          <a:p>
+            <a:pPr>
+              <a:lnSpc>
+                <a:spcPct val="150000"/>
+              </a:lnSpc>
+            </a:pPr>
+            <a:r>
+              <a:rPr lang="en-US" altLang="ko-KR" sz="1600" dirty="0"/>
+              <a:t> </a:t>
+            </a:r>
+            <a:r>
+              <a:rPr lang="en-US" altLang="ko-KR" sz="1600" dirty="0" smtClean="0"/>
+              <a:t>   ‘</a:t>
+            </a:r>
+            <a:r>
+              <a:rPr lang="en-US" altLang="ko-KR" sz="1600" dirty="0" err="1" smtClean="0"/>
+              <a:t>pybo.apps.PyboConfig</a:t>
+            </a:r>
+            <a:r>
+              <a:rPr lang="en-US" altLang="ko-KR" sz="1600" dirty="0" smtClean="0"/>
+              <a:t>’,</a:t>
+            </a:r>
+          </a:p>
+          <a:p>
+            <a:pPr>
+              <a:lnSpc>
+                <a:spcPct val="150000"/>
+              </a:lnSpc>
+            </a:pPr>
+            <a:r>
+              <a:rPr lang="en-US" altLang="ko-KR" sz="1600" dirty="0"/>
+              <a:t> </a:t>
+            </a:r>
+            <a:r>
+              <a:rPr lang="en-US" altLang="ko-KR" sz="1600" dirty="0" smtClean="0"/>
+              <a:t>   ‘</a:t>
+            </a:r>
+            <a:r>
+              <a:rPr lang="en-US" altLang="ko-KR" sz="1600" dirty="0" err="1" smtClean="0"/>
+              <a:t>django.contrib.admin</a:t>
+            </a:r>
+            <a:r>
+              <a:rPr lang="en-US" altLang="ko-KR" sz="1600" dirty="0" smtClean="0"/>
+              <a:t>’,</a:t>
+            </a:r>
+          </a:p>
+          <a:p>
+            <a:pPr>
+              <a:lnSpc>
+                <a:spcPct val="150000"/>
+              </a:lnSpc>
+            </a:pPr>
+            <a:r>
+              <a:rPr lang="en-US" altLang="ko-KR" sz="1600" dirty="0"/>
+              <a:t> </a:t>
+            </a:r>
+            <a:r>
+              <a:rPr lang="en-US" altLang="ko-KR" sz="1600" dirty="0" smtClean="0"/>
+              <a:t>   </a:t>
+            </a:r>
+            <a:r>
+              <a:rPr lang="en-US" altLang="ko-KR" sz="1600" dirty="0"/>
+              <a:t>‘</a:t>
+            </a:r>
+            <a:r>
+              <a:rPr lang="en-US" altLang="ko-KR" sz="1600" dirty="0" err="1" smtClean="0"/>
+              <a:t>django.contrib.auth</a:t>
+            </a:r>
+            <a:r>
+              <a:rPr lang="en-US" altLang="ko-KR" sz="1600" dirty="0" smtClean="0"/>
+              <a:t>’,</a:t>
+            </a:r>
+            <a:endParaRPr lang="en-US" altLang="ko-KR" sz="1600" dirty="0"/>
+          </a:p>
+          <a:p>
+            <a:pPr>
+              <a:lnSpc>
+                <a:spcPct val="150000"/>
+              </a:lnSpc>
+            </a:pPr>
+            <a:r>
+              <a:rPr lang="en-US" altLang="ko-KR" sz="1600" dirty="0" smtClean="0"/>
+              <a:t>]</a:t>
+            </a:r>
+            <a:endParaRPr lang="ko-KR" altLang="en-US" sz="1600" dirty="0"/>
+          </a:p>
+        </p:txBody>
+      </p:sp>
+    </p:spTree>
+    <p:extLst>
+      <p:ext uri="{BB962C8B-B14F-4D97-AF65-F5344CB8AC3E}">
+        <p14:creationId xmlns:p14="http://schemas.microsoft.com/office/powerpoint/2010/main" val="4225339422"/>
+      </p:ext>
+    </p:extLst>
+  </p:cSld>
+  <p:clrMapOvr>
+    <a:masterClrMapping/>
+  </p:clrMapOvr>
+  <p:timing>
+    <p:tnLst>
+      <p:par>
+        <p:cTn id="1" dur="indefinite" restart="never" nodeType="tmRoot"/>
+      </p:par>
+    </p:tnLst>
+  </p:timing>
+</p:sld>
+</file>
+
+<file path=ppt/slides/slide30.xml><?xml version="1.0" encoding="utf-8"?>
+<p:sld xmlns:a="http://schemas.openxmlformats.org/drawingml/2006/main" xmlns:r="http://schemas.openxmlformats.org/officeDocument/2006/relationships" xmlns:p="http://schemas.openxmlformats.org/presentationml/2006/main">
+  <p:cSld>
+    <p:spTree>
+      <p:nvGrpSpPr>
+        <p:cNvPr id="1" name=""/>
+        <p:cNvGrpSpPr/>
+        <p:nvPr/>
+      </p:nvGrpSpPr>
+      <p:grpSpPr>
+        <a:xfrm>
+          <a:off x="0" y="0"/>
+          <a:ext cx="0" cy="0"/>
+          <a:chOff x="0" y="0"/>
+          <a:chExt cx="0" cy="0"/>
+        </a:xfrm>
+      </p:grpSpPr>
+      <p:sp>
+        <p:nvSpPr>
+          <p:cNvPr id="2" name="제목 1"/>
+          <p:cNvSpPr>
+            <a:spLocks noGrp="1"/>
+          </p:cNvSpPr>
+          <p:nvPr>
+            <p:ph type="title"/>
+          </p:nvPr>
+        </p:nvSpPr>
+        <p:spPr/>
+        <p:txBody>
+          <a:bodyPr>
+            <a:normAutofit/>
+          </a:bodyPr>
+          <a:lstStyle/>
+          <a:p>
+            <a:r>
+              <a:rPr lang="en-US" altLang="ko-KR" dirty="0"/>
+              <a:t> </a:t>
+            </a:r>
+            <a:r>
+              <a:rPr lang="ko-KR" altLang="en-US" dirty="0" smtClean="0"/>
+              <a:t>회원 가입 구현하기</a:t>
+            </a:r>
+            <a:endParaRPr lang="ko-KR" altLang="en-US" dirty="0"/>
+          </a:p>
+        </p:txBody>
+      </p:sp>
+      <p:sp>
+        <p:nvSpPr>
+          <p:cNvPr id="4" name="슬라이드 번호 개체 틀 3"/>
+          <p:cNvSpPr>
+            <a:spLocks noGrp="1"/>
+          </p:cNvSpPr>
+          <p:nvPr>
+            <p:ph type="sldNum" sz="quarter" idx="12"/>
+          </p:nvPr>
+        </p:nvSpPr>
+        <p:spPr/>
+        <p:txBody>
+          <a:bodyPr/>
+          <a:lstStyle/>
+          <a:p>
+            <a:fld id="{1BDE3FE7-3AEA-4B05-AC5A-802D1816ACF0}" type="slidenum">
+              <a:rPr lang="ko-KR" altLang="en-US" smtClean="0"/>
+              <a:t>30</a:t>
             </a:fld>
             <a:endParaRPr lang="ko-KR" altLang="en-US"/>
           </a:p>
@@ -11034,7 +10523,7 @@
 </p:sld>
 </file>
 
-<file path=ppt/slides/slide33.xml><?xml version="1.0" encoding="utf-8"?>
+<file path=ppt/slides/slide31.xml><?xml version="1.0" encoding="utf-8"?>
 <p:sld xmlns:a="http://schemas.openxmlformats.org/drawingml/2006/main" xmlns:r="http://schemas.openxmlformats.org/officeDocument/2006/relationships" xmlns:p="http://schemas.openxmlformats.org/presentationml/2006/main">
   <p:cSld>
     <p:spTree>
@@ -11097,7 +10586,7 @@
           <a:p>
             <a:fld id="{1BDE3FE7-3AEA-4B05-AC5A-802D1816ACF0}" type="slidenum">
               <a:rPr lang="ko-KR" altLang="en-US" smtClean="0"/>
-              <a:t>33</a:t>
+              <a:t>31</a:t>
             </a:fld>
             <a:endParaRPr lang="ko-KR" altLang="en-US"/>
           </a:p>
@@ -11148,7 +10637,7 @@
       </p:sp>
       <p:pic>
         <p:nvPicPr>
-          <p:cNvPr id="5" name="그림 4"/>
+          <p:cNvPr id="3" name="그림 2"/>
           <p:cNvPicPr>
             <a:picLocks noChangeAspect="1"/>
           </p:cNvPicPr>
@@ -11168,8 +10657,8 @@
         </p:blipFill>
         <p:spPr>
           <a:xfrm>
-            <a:off x="1630570" y="1704989"/>
-            <a:ext cx="6218278" cy="4895530"/>
+            <a:off x="995635" y="1704583"/>
+            <a:ext cx="7890929" cy="4820761"/>
           </a:xfrm>
           <a:prstGeom prst="rect">
             <a:avLst/>
@@ -11203,7 +10692,7 @@
 </p:sld>
 </file>
 
-<file path=ppt/slides/slide34.xml><?xml version="1.0" encoding="utf-8"?>
+<file path=ppt/slides/slide32.xml><?xml version="1.0" encoding="utf-8"?>
 <p:sld xmlns:a="http://schemas.openxmlformats.org/drawingml/2006/main" xmlns:r="http://schemas.openxmlformats.org/officeDocument/2006/relationships" xmlns:p="http://schemas.openxmlformats.org/presentationml/2006/main">
   <p:cSld>
     <p:spTree>
@@ -11266,50 +10755,9 @@
           <a:p>
             <a:fld id="{1BDE3FE7-3AEA-4B05-AC5A-802D1816ACF0}" type="slidenum">
               <a:rPr lang="ko-KR" altLang="en-US" smtClean="0"/>
-              <a:t>34</a:t>
+              <a:t>32</a:t>
             </a:fld>
             <a:endParaRPr lang="ko-KR" altLang="en-US"/>
-          </a:p>
-        </p:txBody>
-      </p:sp>
-      <p:sp>
-        <p:nvSpPr>
-          <p:cNvPr id="6" name="TextBox 5"/>
-          <p:cNvSpPr txBox="1"/>
-          <p:nvPr/>
-        </p:nvSpPr>
-        <p:spPr>
-          <a:xfrm>
-            <a:off x="1280592" y="1196752"/>
-            <a:ext cx="6768752" cy="507831"/>
-          </a:xfrm>
-          <a:prstGeom prst="rect">
-            <a:avLst/>
-          </a:prstGeom>
-          <a:noFill/>
-        </p:spPr>
-        <p:txBody>
-          <a:bodyPr wrap="square" rtlCol="0">
-            <a:spAutoFit/>
-          </a:bodyPr>
-          <a:lstStyle/>
-          <a:p>
-            <a:pPr marL="342900" indent="-342900">
-              <a:lnSpc>
-                <a:spcPct val="150000"/>
-              </a:lnSpc>
-              <a:buFont typeface="+mj-lt"/>
-              <a:buAutoNum type="arabicPeriod" startAt="5"/>
-            </a:pPr>
-            <a:r>
-              <a:rPr lang="ko-KR" altLang="en-US" dirty="0" smtClean="0"/>
-              <a:t>회원가입 템플릿 만들기 </a:t>
-            </a:r>
-            <a:r>
-              <a:rPr lang="en-US" altLang="ko-KR" dirty="0" smtClean="0"/>
-              <a:t>– common/signup.html</a:t>
-            </a:r>
-            <a:endParaRPr lang="en-US" altLang="ko-KR" dirty="0"/>
           </a:p>
         </p:txBody>
       </p:sp>
@@ -11335,8 +10783,8 @@
         </p:blipFill>
         <p:spPr>
           <a:xfrm>
-            <a:off x="1640632" y="1704583"/>
-            <a:ext cx="6708538" cy="5045556"/>
+            <a:off x="1352599" y="1268759"/>
+            <a:ext cx="6893379" cy="5184577"/>
           </a:xfrm>
           <a:prstGeom prst="rect">
             <a:avLst/>
@@ -11370,7 +10818,7 @@
 </p:sld>
 </file>
 
-<file path=ppt/slides/slide35.xml><?xml version="1.0" encoding="utf-8"?>
+<file path=ppt/slides/slide33.xml><?xml version="1.0" encoding="utf-8"?>
 <p:sld xmlns:a="http://schemas.openxmlformats.org/drawingml/2006/main" xmlns:r="http://schemas.openxmlformats.org/officeDocument/2006/relationships" xmlns:p="http://schemas.openxmlformats.org/presentationml/2006/main">
   <p:cSld>
     <p:spTree>
@@ -11433,7 +10881,7 @@
           <a:p>
             <a:fld id="{1BDE3FE7-3AEA-4B05-AC5A-802D1816ACF0}" type="slidenum">
               <a:rPr lang="ko-KR" altLang="en-US" smtClean="0"/>
-              <a:t>35</a:t>
+              <a:t>33</a:t>
             </a:fld>
             <a:endParaRPr lang="ko-KR" altLang="en-US"/>
           </a:p>
@@ -11496,7 +10944,7 @@
       </p:sp>
       <p:pic>
         <p:nvPicPr>
-          <p:cNvPr id="5" name="그림 4"/>
+          <p:cNvPr id="3" name="그림 2"/>
           <p:cNvPicPr>
             <a:picLocks noChangeAspect="1"/>
           </p:cNvPicPr>
@@ -11516,8 +10964,8 @@
         </p:blipFill>
         <p:spPr>
           <a:xfrm>
-            <a:off x="1167070" y="1846368"/>
-            <a:ext cx="7597798" cy="4419983"/>
+            <a:off x="1255635" y="1838457"/>
+            <a:ext cx="7597798" cy="4587638"/>
           </a:xfrm>
           <a:prstGeom prst="rect">
             <a:avLst/>
@@ -11551,7 +10999,7 @@
 </p:sld>
 </file>
 
-<file path=ppt/slides/slide36.xml><?xml version="1.0" encoding="utf-8"?>
+<file path=ppt/slides/slide34.xml><?xml version="1.0" encoding="utf-8"?>
 <p:sld xmlns:a="http://schemas.openxmlformats.org/drawingml/2006/main" xmlns:r="http://schemas.openxmlformats.org/officeDocument/2006/relationships" xmlns:p="http://schemas.openxmlformats.org/presentationml/2006/main">
   <p:cSld>
     <p:spTree>
@@ -11614,7 +11062,7 @@
           <a:p>
             <a:fld id="{1BDE3FE7-3AEA-4B05-AC5A-802D1816ACF0}" type="slidenum">
               <a:rPr lang="ko-KR" altLang="en-US" smtClean="0"/>
-              <a:t>36</a:t>
+              <a:t>34</a:t>
             </a:fld>
             <a:endParaRPr lang="ko-KR" altLang="en-US"/>
           </a:p>
@@ -11714,7 +11162,7 @@
 </p:sld>
 </file>
 
-<file path=ppt/slides/slide37.xml><?xml version="1.0" encoding="utf-8"?>
+<file path=ppt/slides/slide35.xml><?xml version="1.0" encoding="utf-8"?>
 <p:sld xmlns:a="http://schemas.openxmlformats.org/drawingml/2006/main" xmlns:r="http://schemas.openxmlformats.org/officeDocument/2006/relationships" xmlns:p="http://schemas.openxmlformats.org/presentationml/2006/main">
   <p:cSld>
     <p:spTree>
@@ -11777,7 +11225,7 @@
           <a:p>
             <a:fld id="{1BDE3FE7-3AEA-4B05-AC5A-802D1816ACF0}" type="slidenum">
               <a:rPr lang="ko-KR" altLang="en-US" smtClean="0"/>
-              <a:t>37</a:t>
+              <a:t>35</a:t>
             </a:fld>
             <a:endParaRPr lang="ko-KR" altLang="en-US"/>
           </a:p>
@@ -11877,7 +11325,7 @@
 </p:sld>
 </file>
 
-<file path=ppt/slides/slide38.xml><?xml version="1.0" encoding="utf-8"?>
+<file path=ppt/slides/slide36.xml><?xml version="1.0" encoding="utf-8"?>
 <p:sld xmlns:a="http://schemas.openxmlformats.org/drawingml/2006/main" xmlns:r="http://schemas.openxmlformats.org/officeDocument/2006/relationships" xmlns:p="http://schemas.openxmlformats.org/presentationml/2006/main">
   <p:cSld>
     <p:spTree>
@@ -11948,7 +11396,7 @@
           <a:p>
             <a:fld id="{1BDE3FE7-3AEA-4B05-AC5A-802D1816ACF0}" type="slidenum">
               <a:rPr lang="ko-KR" altLang="en-US" smtClean="0"/>
-              <a:t>38</a:t>
+              <a:t>36</a:t>
             </a:fld>
             <a:endParaRPr lang="ko-KR" altLang="en-US"/>
           </a:p>
@@ -12172,7 +11620,7 @@
 </p:sld>
 </file>
 
-<file path=ppt/slides/slide39.xml><?xml version="1.0" encoding="utf-8"?>
+<file path=ppt/slides/slide37.xml><?xml version="1.0" encoding="utf-8"?>
 <p:sld xmlns:a="http://schemas.openxmlformats.org/drawingml/2006/main" xmlns:r="http://schemas.openxmlformats.org/officeDocument/2006/relationships" xmlns:p="http://schemas.openxmlformats.org/presentationml/2006/main">
   <p:cSld>
     <p:spTree>
@@ -12243,7 +11691,7 @@
           <a:p>
             <a:fld id="{1BDE3FE7-3AEA-4B05-AC5A-802D1816ACF0}" type="slidenum">
               <a:rPr lang="ko-KR" altLang="en-US" smtClean="0"/>
-              <a:t>39</a:t>
+              <a:t>37</a:t>
             </a:fld>
             <a:endParaRPr lang="ko-KR" altLang="en-US"/>
           </a:p>
@@ -12296,13 +11744,8 @@
             </a:r>
             <a:r>
               <a:rPr lang="en-US" altLang="ko-KR" dirty="0" smtClean="0"/>
-              <a:t>– </a:t>
-            </a:r>
-            <a:r>
-              <a:rPr lang="en-US" altLang="ko-KR" dirty="0" smtClean="0"/>
-              <a:t>board/models.py</a:t>
-            </a:r>
-            <a:endParaRPr lang="en-US" altLang="ko-KR" dirty="0" smtClean="0"/>
+              <a:t>– board/models.py</a:t>
+            </a:r>
           </a:p>
         </p:txBody>
       </p:sp>
@@ -12639,7 +12082,7 @@
 </p:sld>
 </file>
 
-<file path=ppt/slides/slide4.xml><?xml version="1.0" encoding="utf-8"?>
+<file path=ppt/slides/slide38.xml><?xml version="1.0" encoding="utf-8"?>
 <p:sld xmlns:a="http://schemas.openxmlformats.org/drawingml/2006/main" xmlns:r="http://schemas.openxmlformats.org/officeDocument/2006/relationships" xmlns:p="http://schemas.openxmlformats.org/presentationml/2006/main">
   <p:cSld>
     <p:spTree>
@@ -12678,16 +12121,16 @@
               <a:t> </a:t>
             </a:r>
             <a:r>
+              <a:rPr lang="ko-KR" altLang="en-US" dirty="0" smtClean="0"/>
+              <a:t>글쓴이</a:t>
+            </a:r>
+            <a:r>
               <a:rPr lang="en-US" altLang="ko-KR" dirty="0" smtClean="0"/>
-              <a:t>common </a:t>
-            </a:r>
-            <a:r>
-              <a:rPr lang="ko-KR" altLang="en-US" dirty="0" err="1" smtClean="0"/>
-              <a:t>앱</a:t>
+              <a:t> </a:t>
             </a:r>
             <a:r>
               <a:rPr lang="ko-KR" altLang="en-US" dirty="0" smtClean="0"/>
-              <a:t> 생성하기 </a:t>
+              <a:t>표시하기</a:t>
             </a:r>
             <a:endParaRPr lang="ko-KR" altLang="en-US" dirty="0"/>
           </a:p>
@@ -12710,597 +12153,7 @@
           <a:p>
             <a:fld id="{1BDE3FE7-3AEA-4B05-AC5A-802D1816ACF0}" type="slidenum">
               <a:rPr lang="ko-KR" altLang="en-US" smtClean="0"/>
-              <a:t>4</a:t>
-            </a:fld>
-            <a:endParaRPr lang="ko-KR" altLang="en-US"/>
-          </a:p>
-        </p:txBody>
-      </p:sp>
-      <p:sp>
-        <p:nvSpPr>
-          <p:cNvPr id="5" name="TextBox 4"/>
-          <p:cNvSpPr txBox="1"/>
-          <p:nvPr/>
-        </p:nvSpPr>
-        <p:spPr>
-          <a:xfrm>
-            <a:off x="992560" y="1211268"/>
-            <a:ext cx="4896544" cy="553998"/>
-          </a:xfrm>
-          <a:prstGeom prst="rect">
-            <a:avLst/>
-          </a:prstGeom>
-          <a:ln>
-            <a:noFill/>
-          </a:ln>
-        </p:spPr>
-        <p:style>
-          <a:lnRef idx="2">
-            <a:schemeClr val="dk1"/>
-          </a:lnRef>
-          <a:fillRef idx="1">
-            <a:schemeClr val="lt1"/>
-          </a:fillRef>
-          <a:effectRef idx="0">
-            <a:schemeClr val="dk1"/>
-          </a:effectRef>
-          <a:fontRef idx="minor">
-            <a:schemeClr val="dk1"/>
-          </a:fontRef>
-        </p:style>
-        <p:txBody>
-          <a:bodyPr wrap="square" rtlCol="0">
-            <a:spAutoFit/>
-          </a:bodyPr>
-          <a:lstStyle/>
-          <a:p>
-            <a:pPr marL="342900" indent="-342900">
-              <a:lnSpc>
-                <a:spcPct val="150000"/>
-              </a:lnSpc>
-              <a:buFont typeface="Wingdings" panose="05000000000000000000" pitchFamily="2" charset="2"/>
-              <a:buChar char="l"/>
-            </a:pPr>
-            <a:r>
-              <a:rPr lang="en-US" altLang="ko-KR" sz="2000" dirty="0" smtClean="0">
-                <a:latin typeface="휴먼엑스포" panose="02030504000101010101" pitchFamily="18" charset="-127"/>
-                <a:ea typeface="휴먼엑스포" panose="02030504000101010101" pitchFamily="18" charset="-127"/>
-              </a:rPr>
-              <a:t>common </a:t>
-            </a:r>
-            <a:r>
-              <a:rPr lang="ko-KR" altLang="en-US" sz="2000" dirty="0" err="1" smtClean="0">
-                <a:latin typeface="휴먼엑스포" panose="02030504000101010101" pitchFamily="18" charset="-127"/>
-                <a:ea typeface="휴먼엑스포" panose="02030504000101010101" pitchFamily="18" charset="-127"/>
-              </a:rPr>
-              <a:t>앱</a:t>
-            </a:r>
-            <a:r>
-              <a:rPr lang="ko-KR" altLang="en-US" sz="2000" dirty="0" smtClean="0">
-                <a:latin typeface="휴먼엑스포" panose="02030504000101010101" pitchFamily="18" charset="-127"/>
-                <a:ea typeface="휴먼엑스포" panose="02030504000101010101" pitchFamily="18" charset="-127"/>
-              </a:rPr>
-              <a:t> 생성 후 초기 설정 작업</a:t>
-            </a:r>
-            <a:endParaRPr lang="en-US" altLang="ko-KR" sz="2000" dirty="0" smtClean="0">
-              <a:latin typeface="휴먼엑스포" panose="02030504000101010101" pitchFamily="18" charset="-127"/>
-              <a:ea typeface="휴먼엑스포" panose="02030504000101010101" pitchFamily="18" charset="-127"/>
-            </a:endParaRPr>
-          </a:p>
-        </p:txBody>
-      </p:sp>
-      <p:sp>
-        <p:nvSpPr>
-          <p:cNvPr id="6" name="TextBox 5"/>
-          <p:cNvSpPr txBox="1"/>
-          <p:nvPr/>
-        </p:nvSpPr>
-        <p:spPr>
-          <a:xfrm>
-            <a:off x="1208584" y="1700808"/>
-            <a:ext cx="6768752" cy="3416320"/>
-          </a:xfrm>
-          <a:prstGeom prst="rect">
-            <a:avLst/>
-          </a:prstGeom>
-          <a:noFill/>
-        </p:spPr>
-        <p:txBody>
-          <a:bodyPr wrap="square" rtlCol="0">
-            <a:spAutoFit/>
-          </a:bodyPr>
-          <a:lstStyle/>
-          <a:p>
-            <a:pPr>
-              <a:lnSpc>
-                <a:spcPct val="150000"/>
-              </a:lnSpc>
-            </a:pPr>
-            <a:r>
-              <a:rPr lang="en-US" altLang="ko-KR" dirty="0" smtClean="0"/>
-              <a:t>3. </a:t>
-            </a:r>
-            <a:r>
-              <a:rPr lang="en-US" altLang="ko-KR" dirty="0"/>
-              <a:t>config/urls.py </a:t>
-            </a:r>
-            <a:r>
-              <a:rPr lang="ko-KR" altLang="en-US" dirty="0"/>
-              <a:t>경로 설정</a:t>
-            </a:r>
-            <a:endParaRPr lang="en-US" altLang="ko-KR" dirty="0"/>
-          </a:p>
-          <a:p>
-            <a:pPr marL="342900" indent="-342900">
-              <a:lnSpc>
-                <a:spcPct val="150000"/>
-              </a:lnSpc>
-              <a:buAutoNum type="arabicPeriod"/>
-            </a:pPr>
-            <a:endParaRPr lang="en-US" altLang="ko-KR" dirty="0" smtClean="0"/>
-          </a:p>
-          <a:p>
-            <a:pPr marL="342900" indent="-342900">
-              <a:lnSpc>
-                <a:spcPct val="150000"/>
-              </a:lnSpc>
-              <a:buAutoNum type="arabicPeriod"/>
-            </a:pPr>
-            <a:endParaRPr lang="en-US" altLang="ko-KR" dirty="0" smtClean="0"/>
-          </a:p>
-          <a:p>
-            <a:pPr marL="342900" indent="-342900">
-              <a:lnSpc>
-                <a:spcPct val="150000"/>
-              </a:lnSpc>
-              <a:buAutoNum type="arabicPeriod"/>
-            </a:pPr>
-            <a:endParaRPr lang="en-US" altLang="ko-KR" dirty="0"/>
-          </a:p>
-          <a:p>
-            <a:pPr marL="342900" indent="-342900">
-              <a:lnSpc>
-                <a:spcPct val="150000"/>
-              </a:lnSpc>
-              <a:buAutoNum type="arabicPeriod"/>
-            </a:pPr>
-            <a:endParaRPr lang="en-US" altLang="ko-KR" dirty="0" smtClean="0"/>
-          </a:p>
-          <a:p>
-            <a:pPr marL="342900" indent="-342900">
-              <a:lnSpc>
-                <a:spcPct val="150000"/>
-              </a:lnSpc>
-              <a:buAutoNum type="arabicPeriod"/>
-            </a:pPr>
-            <a:endParaRPr lang="en-US" altLang="ko-KR" dirty="0" smtClean="0"/>
-          </a:p>
-          <a:p>
-            <a:pPr marL="342900" indent="-342900">
-              <a:lnSpc>
-                <a:spcPct val="150000"/>
-              </a:lnSpc>
-              <a:buAutoNum type="arabicPeriod"/>
-            </a:pPr>
-            <a:endParaRPr lang="en-US" altLang="ko-KR" dirty="0" smtClean="0"/>
-          </a:p>
-          <a:p>
-            <a:pPr>
-              <a:lnSpc>
-                <a:spcPct val="150000"/>
-              </a:lnSpc>
-            </a:pPr>
-            <a:r>
-              <a:rPr lang="en-US" altLang="ko-KR" dirty="0" smtClean="0"/>
-              <a:t>4. common/urls.py </a:t>
-            </a:r>
-            <a:r>
-              <a:rPr lang="ko-KR" altLang="en-US" dirty="0" smtClean="0"/>
-              <a:t>생성하기</a:t>
-            </a:r>
-            <a:endParaRPr lang="en-US" altLang="ko-KR" dirty="0"/>
-          </a:p>
-        </p:txBody>
-      </p:sp>
-      <p:sp>
-        <p:nvSpPr>
-          <p:cNvPr id="8" name="TextBox 7"/>
-          <p:cNvSpPr txBox="1"/>
-          <p:nvPr/>
-        </p:nvSpPr>
-        <p:spPr>
-          <a:xfrm>
-            <a:off x="1568624" y="2208638"/>
-            <a:ext cx="5616624" cy="2308324"/>
-          </a:xfrm>
-          <a:prstGeom prst="rect">
-            <a:avLst/>
-          </a:prstGeom>
-          <a:noFill/>
-          <a:ln>
-            <a:solidFill>
-              <a:schemeClr val="bg1">
-                <a:lumMod val="85000"/>
-              </a:schemeClr>
-            </a:solidFill>
-          </a:ln>
-        </p:spPr>
-        <p:txBody>
-          <a:bodyPr wrap="square" rtlCol="0">
-            <a:spAutoFit/>
-          </a:bodyPr>
-          <a:lstStyle/>
-          <a:p>
-            <a:pPr>
-              <a:lnSpc>
-                <a:spcPct val="150000"/>
-              </a:lnSpc>
-            </a:pPr>
-            <a:endParaRPr lang="en-US" altLang="ko-KR" sz="1600" dirty="0" smtClean="0"/>
-          </a:p>
-          <a:p>
-            <a:pPr>
-              <a:lnSpc>
-                <a:spcPct val="150000"/>
-              </a:lnSpc>
-            </a:pPr>
-            <a:r>
-              <a:rPr lang="en-US" altLang="ko-KR" sz="1600" dirty="0" err="1"/>
-              <a:t>u</a:t>
-            </a:r>
-            <a:r>
-              <a:rPr lang="en-US" altLang="ko-KR" sz="1600" dirty="0" err="1" smtClean="0"/>
-              <a:t>rlpatterns</a:t>
-            </a:r>
-            <a:r>
-              <a:rPr lang="en-US" altLang="ko-KR" sz="1600" dirty="0" smtClean="0"/>
-              <a:t> = [</a:t>
-            </a:r>
-          </a:p>
-          <a:p>
-            <a:pPr>
-              <a:lnSpc>
-                <a:spcPct val="150000"/>
-              </a:lnSpc>
-            </a:pPr>
-            <a:r>
-              <a:rPr lang="en-US" altLang="ko-KR" sz="1600" dirty="0"/>
-              <a:t> </a:t>
-            </a:r>
-            <a:r>
-              <a:rPr lang="en-US" altLang="ko-KR" sz="1600" dirty="0" smtClean="0"/>
-              <a:t>   path(‘admin/’, </a:t>
-            </a:r>
-            <a:r>
-              <a:rPr lang="en-US" altLang="ko-KR" sz="1600" dirty="0" err="1" smtClean="0"/>
-              <a:t>admin.site.urls</a:t>
-            </a:r>
-            <a:r>
-              <a:rPr lang="en-US" altLang="ko-KR" sz="1600" dirty="0" smtClean="0"/>
-              <a:t>),</a:t>
-            </a:r>
-          </a:p>
-          <a:p>
-            <a:pPr>
-              <a:lnSpc>
-                <a:spcPct val="150000"/>
-              </a:lnSpc>
-            </a:pPr>
-            <a:r>
-              <a:rPr lang="en-US" altLang="ko-KR" sz="1600" dirty="0"/>
-              <a:t> </a:t>
-            </a:r>
-            <a:r>
-              <a:rPr lang="en-US" altLang="ko-KR" sz="1600" dirty="0" smtClean="0"/>
-              <a:t>   </a:t>
-            </a:r>
-            <a:r>
-              <a:rPr lang="en-US" altLang="ko-KR" sz="1600" dirty="0"/>
-              <a:t>path</a:t>
-            </a:r>
-            <a:r>
-              <a:rPr lang="en-US" altLang="ko-KR" sz="1600" dirty="0" smtClean="0"/>
-              <a:t>(‘</a:t>
-            </a:r>
-            <a:r>
-              <a:rPr lang="en-US" altLang="ko-KR" sz="1600" dirty="0" err="1" smtClean="0"/>
-              <a:t>pybo</a:t>
-            </a:r>
-            <a:r>
-              <a:rPr lang="en-US" altLang="ko-KR" sz="1600" dirty="0" smtClean="0"/>
-              <a:t>/’, include(‘</a:t>
-            </a:r>
-            <a:r>
-              <a:rPr lang="en-US" altLang="ko-KR" sz="1600" dirty="0" err="1" smtClean="0"/>
-              <a:t>pybo.urls</a:t>
-            </a:r>
-            <a:r>
-              <a:rPr lang="en-US" altLang="ko-KR" sz="1600" dirty="0" smtClean="0"/>
-              <a:t>’),</a:t>
-            </a:r>
-          </a:p>
-          <a:p>
-            <a:pPr>
-              <a:lnSpc>
-                <a:spcPct val="150000"/>
-              </a:lnSpc>
-            </a:pPr>
-            <a:r>
-              <a:rPr lang="en-US" altLang="ko-KR" sz="1600" dirty="0"/>
-              <a:t>    </a:t>
-            </a:r>
-            <a:r>
-              <a:rPr lang="en-US" altLang="ko-KR" sz="1600" b="1" dirty="0">
-                <a:solidFill>
-                  <a:srgbClr val="C00000"/>
-                </a:solidFill>
-              </a:rPr>
-              <a:t>path</a:t>
-            </a:r>
-            <a:r>
-              <a:rPr lang="en-US" altLang="ko-KR" sz="1600" b="1" dirty="0" smtClean="0">
-                <a:solidFill>
-                  <a:srgbClr val="C00000"/>
-                </a:solidFill>
-              </a:rPr>
-              <a:t>(‘common/’, </a:t>
-            </a:r>
-            <a:r>
-              <a:rPr lang="en-US" altLang="ko-KR" sz="1600" b="1" dirty="0">
-                <a:solidFill>
-                  <a:srgbClr val="C00000"/>
-                </a:solidFill>
-              </a:rPr>
-              <a:t>include(‘</a:t>
-            </a:r>
-            <a:r>
-              <a:rPr lang="en-US" altLang="ko-KR" sz="1600" b="1" dirty="0" err="1">
-                <a:solidFill>
-                  <a:srgbClr val="C00000"/>
-                </a:solidFill>
-              </a:rPr>
-              <a:t>common.urls</a:t>
-            </a:r>
-            <a:r>
-              <a:rPr lang="en-US" altLang="ko-KR" sz="1600" b="1" dirty="0" smtClean="0">
-                <a:solidFill>
-                  <a:srgbClr val="C00000"/>
-                </a:solidFill>
-              </a:rPr>
-              <a:t>’),</a:t>
-            </a:r>
-            <a:endParaRPr lang="en-US" altLang="ko-KR" sz="1600" b="1" dirty="0">
-              <a:solidFill>
-                <a:srgbClr val="C00000"/>
-              </a:solidFill>
-            </a:endParaRPr>
-          </a:p>
-          <a:p>
-            <a:pPr>
-              <a:lnSpc>
-                <a:spcPct val="150000"/>
-              </a:lnSpc>
-            </a:pPr>
-            <a:r>
-              <a:rPr lang="en-US" altLang="ko-KR" sz="1600" dirty="0" smtClean="0"/>
-              <a:t>]</a:t>
-            </a:r>
-            <a:endParaRPr lang="ko-KR" altLang="en-US" sz="1600" dirty="0"/>
-          </a:p>
-        </p:txBody>
-      </p:sp>
-      <p:sp>
-        <p:nvSpPr>
-          <p:cNvPr id="9" name="TextBox 8"/>
-          <p:cNvSpPr txBox="1"/>
-          <p:nvPr/>
-        </p:nvSpPr>
-        <p:spPr>
-          <a:xfrm>
-            <a:off x="1568624" y="5118093"/>
-            <a:ext cx="5544616" cy="1569660"/>
-          </a:xfrm>
-          <a:prstGeom prst="rect">
-            <a:avLst/>
-          </a:prstGeom>
-          <a:noFill/>
-          <a:ln>
-            <a:solidFill>
-              <a:schemeClr val="bg1">
-                <a:lumMod val="85000"/>
-              </a:schemeClr>
-            </a:solidFill>
-          </a:ln>
-        </p:spPr>
-        <p:txBody>
-          <a:bodyPr wrap="square" rtlCol="0">
-            <a:spAutoFit/>
-          </a:bodyPr>
-          <a:lstStyle/>
-          <a:p>
-            <a:pPr>
-              <a:lnSpc>
-                <a:spcPct val="150000"/>
-              </a:lnSpc>
-            </a:pPr>
-            <a:r>
-              <a:rPr lang="en-US" altLang="ko-KR" sz="1600" dirty="0" err="1">
-                <a:solidFill>
-                  <a:srgbClr val="C00000"/>
-                </a:solidFill>
-              </a:rPr>
-              <a:t>a</a:t>
-            </a:r>
-            <a:r>
-              <a:rPr lang="en-US" altLang="ko-KR" sz="1600" dirty="0" err="1" smtClean="0">
-                <a:solidFill>
-                  <a:srgbClr val="C00000"/>
-                </a:solidFill>
-              </a:rPr>
-              <a:t>pp_name</a:t>
-            </a:r>
-            <a:r>
-              <a:rPr lang="en-US" altLang="ko-KR" sz="1600" dirty="0" smtClean="0">
-                <a:solidFill>
-                  <a:srgbClr val="C00000"/>
-                </a:solidFill>
-              </a:rPr>
-              <a:t> = ‘common’</a:t>
-            </a:r>
-          </a:p>
-          <a:p>
-            <a:pPr>
-              <a:lnSpc>
-                <a:spcPct val="150000"/>
-              </a:lnSpc>
-            </a:pPr>
-            <a:endParaRPr lang="en-US" altLang="ko-KR" sz="1600" dirty="0" smtClean="0"/>
-          </a:p>
-          <a:p>
-            <a:pPr>
-              <a:lnSpc>
-                <a:spcPct val="150000"/>
-              </a:lnSpc>
-            </a:pPr>
-            <a:r>
-              <a:rPr lang="en-US" altLang="ko-KR" sz="1600" dirty="0" err="1">
-                <a:solidFill>
-                  <a:srgbClr val="C00000"/>
-                </a:solidFill>
-              </a:rPr>
-              <a:t>u</a:t>
-            </a:r>
-            <a:r>
-              <a:rPr lang="en-US" altLang="ko-KR" sz="1600" dirty="0" err="1" smtClean="0">
-                <a:solidFill>
-                  <a:srgbClr val="C00000"/>
-                </a:solidFill>
-              </a:rPr>
-              <a:t>rlpatterns</a:t>
-            </a:r>
-            <a:r>
-              <a:rPr lang="en-US" altLang="ko-KR" sz="1600" dirty="0" smtClean="0">
-                <a:solidFill>
-                  <a:srgbClr val="C00000"/>
-                </a:solidFill>
-              </a:rPr>
-              <a:t> = [</a:t>
-            </a:r>
-          </a:p>
-          <a:p>
-            <a:pPr>
-              <a:lnSpc>
-                <a:spcPct val="150000"/>
-              </a:lnSpc>
-            </a:pPr>
-            <a:r>
-              <a:rPr lang="en-US" altLang="ko-KR" sz="1600" dirty="0" smtClean="0">
-                <a:solidFill>
-                  <a:srgbClr val="C00000"/>
-                </a:solidFill>
-              </a:rPr>
-              <a:t>]</a:t>
-            </a:r>
-            <a:endParaRPr lang="ko-KR" altLang="en-US" sz="1600" dirty="0">
-              <a:solidFill>
-                <a:srgbClr val="C00000"/>
-              </a:solidFill>
-            </a:endParaRPr>
-          </a:p>
-        </p:txBody>
-      </p:sp>
-    </p:spTree>
-    <p:extLst>
-      <p:ext uri="{BB962C8B-B14F-4D97-AF65-F5344CB8AC3E}">
-        <p14:creationId xmlns:p14="http://schemas.microsoft.com/office/powerpoint/2010/main" val="4098964545"/>
-      </p:ext>
-    </p:extLst>
-  </p:cSld>
-  <p:clrMapOvr>
-    <a:masterClrMapping/>
-  </p:clrMapOvr>
-  <p:timing>
-    <p:tnLst>
-      <p:par>
-        <p:cTn id="1" dur="indefinite" restart="never" nodeType="tmRoot"/>
-      </p:par>
-    </p:tnLst>
-  </p:timing>
-</p:sld>
-</file>
-
-<file path=ppt/slides/slide40.xml><?xml version="1.0" encoding="utf-8"?>
-<p:sld xmlns:a="http://schemas.openxmlformats.org/drawingml/2006/main" xmlns:r="http://schemas.openxmlformats.org/officeDocument/2006/relationships" xmlns:p="http://schemas.openxmlformats.org/presentationml/2006/main">
-  <p:cSld>
-    <p:spTree>
-      <p:nvGrpSpPr>
-        <p:cNvPr id="1" name=""/>
-        <p:cNvGrpSpPr/>
-        <p:nvPr/>
-      </p:nvGrpSpPr>
-      <p:grpSpPr>
-        <a:xfrm>
-          <a:off x="0" y="0"/>
-          <a:ext cx="0" cy="0"/>
-          <a:chOff x="0" y="0"/>
-          <a:chExt cx="0" cy="0"/>
-        </a:xfrm>
-      </p:grpSpPr>
-      <p:sp>
-        <p:nvSpPr>
-          <p:cNvPr id="2" name="제목 1"/>
-          <p:cNvSpPr>
-            <a:spLocks noGrp="1"/>
-          </p:cNvSpPr>
-          <p:nvPr>
-            <p:ph type="title"/>
-          </p:nvPr>
-        </p:nvSpPr>
-        <p:spPr/>
-        <p:txBody>
-          <a:bodyPr>
-            <a:normAutofit/>
-          </a:bodyPr>
-          <a:lstStyle/>
-          <a:p>
-            <a:r>
-              <a:rPr lang="en-US" altLang="ko-KR" dirty="0"/>
-              <a:t> </a:t>
-            </a:r>
-            <a:r>
-              <a:rPr lang="ko-KR" altLang="en-US" dirty="0" smtClean="0"/>
-              <a:t>글쓴이</a:t>
-            </a:r>
-            <a:r>
-              <a:rPr lang="en-US" altLang="ko-KR" dirty="0" smtClean="0"/>
-              <a:t> </a:t>
-            </a:r>
-            <a:r>
-              <a:rPr lang="ko-KR" altLang="en-US" dirty="0" smtClean="0"/>
-              <a:t>표시하기</a:t>
-            </a:r>
-            <a:endParaRPr lang="ko-KR" altLang="en-US" dirty="0"/>
-          </a:p>
-        </p:txBody>
-      </p:sp>
-      <p:sp>
-        <p:nvSpPr>
-          <p:cNvPr id="4" name="슬라이드 번호 개체 틀 3"/>
-          <p:cNvSpPr>
-            <a:spLocks noGrp="1"/>
-          </p:cNvSpPr>
-          <p:nvPr>
-            <p:ph type="sldNum" sz="quarter" idx="12"/>
-          </p:nvPr>
-        </p:nvSpPr>
-        <p:spPr/>
-        <p:txBody>
-          <a:bodyPr/>
-          <a:lstStyle/>
-          <a:p>
-            <a:fld id="{1BDE3FE7-3AEA-4B05-AC5A-802D1816ACF0}" type="slidenum">
-              <a:rPr lang="ko-KR" altLang="en-US" smtClean="0"/>
-              <a:t>40</a:t>
+              <a:t>38</a:t>
             </a:fld>
             <a:endParaRPr lang="ko-KR" altLang="en-US"/>
           </a:p>
@@ -13484,7 +12337,7 @@
 </p:sld>
 </file>
 
-<file path=ppt/slides/slide41.xml><?xml version="1.0" encoding="utf-8"?>
+<file path=ppt/slides/slide39.xml><?xml version="1.0" encoding="utf-8"?>
 <p:sld xmlns:a="http://schemas.openxmlformats.org/drawingml/2006/main" xmlns:r="http://schemas.openxmlformats.org/officeDocument/2006/relationships" xmlns:p="http://schemas.openxmlformats.org/presentationml/2006/main">
   <p:cSld>
     <p:spTree>
@@ -13555,7 +12408,7 @@
           <a:p>
             <a:fld id="{1BDE3FE7-3AEA-4B05-AC5A-802D1816ACF0}" type="slidenum">
               <a:rPr lang="ko-KR" altLang="en-US" smtClean="0"/>
-              <a:t>41</a:t>
+              <a:t>39</a:t>
             </a:fld>
             <a:endParaRPr lang="ko-KR" altLang="en-US"/>
           </a:p>
@@ -13740,7 +12593,7 @@
 </p:sld>
 </file>
 
-<file path=ppt/slides/slide42.xml><?xml version="1.0" encoding="utf-8"?>
+<file path=ppt/slides/slide4.xml><?xml version="1.0" encoding="utf-8"?>
 <p:sld xmlns:a="http://schemas.openxmlformats.org/drawingml/2006/main" xmlns:r="http://schemas.openxmlformats.org/officeDocument/2006/relationships" xmlns:p="http://schemas.openxmlformats.org/presentationml/2006/main">
   <p:cSld>
     <p:spTree>
@@ -13779,16 +12632,16 @@
               <a:t> </a:t>
             </a:r>
             <a:r>
+              <a:rPr lang="en-US" altLang="ko-KR" dirty="0" smtClean="0"/>
+              <a:t>common </a:t>
+            </a:r>
+            <a:r>
+              <a:rPr lang="ko-KR" altLang="en-US" dirty="0" err="1" smtClean="0"/>
+              <a:t>앱</a:t>
+            </a:r>
+            <a:r>
               <a:rPr lang="ko-KR" altLang="en-US" dirty="0" smtClean="0"/>
-              <a:t>글쓴이</a:t>
-            </a:r>
-            <a:r>
-              <a:rPr lang="en-US" altLang="ko-KR" dirty="0" smtClean="0"/>
-              <a:t> </a:t>
-            </a:r>
-            <a:r>
-              <a:rPr lang="ko-KR" altLang="en-US" dirty="0" smtClean="0"/>
-              <a:t>표시하기</a:t>
+              <a:t> 생성하기 </a:t>
             </a:r>
             <a:endParaRPr lang="ko-KR" altLang="en-US" dirty="0"/>
           </a:p>
@@ -13811,7 +12664,597 @@
           <a:p>
             <a:fld id="{1BDE3FE7-3AEA-4B05-AC5A-802D1816ACF0}" type="slidenum">
               <a:rPr lang="ko-KR" altLang="en-US" smtClean="0"/>
-              <a:t>42</a:t>
+              <a:t>4</a:t>
+            </a:fld>
+            <a:endParaRPr lang="ko-KR" altLang="en-US"/>
+          </a:p>
+        </p:txBody>
+      </p:sp>
+      <p:sp>
+        <p:nvSpPr>
+          <p:cNvPr id="5" name="TextBox 4"/>
+          <p:cNvSpPr txBox="1"/>
+          <p:nvPr/>
+        </p:nvSpPr>
+        <p:spPr>
+          <a:xfrm>
+            <a:off x="992560" y="1211268"/>
+            <a:ext cx="4896544" cy="553998"/>
+          </a:xfrm>
+          <a:prstGeom prst="rect">
+            <a:avLst/>
+          </a:prstGeom>
+          <a:ln>
+            <a:noFill/>
+          </a:ln>
+        </p:spPr>
+        <p:style>
+          <a:lnRef idx="2">
+            <a:schemeClr val="dk1"/>
+          </a:lnRef>
+          <a:fillRef idx="1">
+            <a:schemeClr val="lt1"/>
+          </a:fillRef>
+          <a:effectRef idx="0">
+            <a:schemeClr val="dk1"/>
+          </a:effectRef>
+          <a:fontRef idx="minor">
+            <a:schemeClr val="dk1"/>
+          </a:fontRef>
+        </p:style>
+        <p:txBody>
+          <a:bodyPr wrap="square" rtlCol="0">
+            <a:spAutoFit/>
+          </a:bodyPr>
+          <a:lstStyle/>
+          <a:p>
+            <a:pPr marL="342900" indent="-342900">
+              <a:lnSpc>
+                <a:spcPct val="150000"/>
+              </a:lnSpc>
+              <a:buFont typeface="Wingdings" panose="05000000000000000000" pitchFamily="2" charset="2"/>
+              <a:buChar char="l"/>
+            </a:pPr>
+            <a:r>
+              <a:rPr lang="en-US" altLang="ko-KR" sz="2000" dirty="0" smtClean="0">
+                <a:latin typeface="휴먼엑스포" panose="02030504000101010101" pitchFamily="18" charset="-127"/>
+                <a:ea typeface="휴먼엑스포" panose="02030504000101010101" pitchFamily="18" charset="-127"/>
+              </a:rPr>
+              <a:t>common </a:t>
+            </a:r>
+            <a:r>
+              <a:rPr lang="ko-KR" altLang="en-US" sz="2000" dirty="0" err="1" smtClean="0">
+                <a:latin typeface="휴먼엑스포" panose="02030504000101010101" pitchFamily="18" charset="-127"/>
+                <a:ea typeface="휴먼엑스포" panose="02030504000101010101" pitchFamily="18" charset="-127"/>
+              </a:rPr>
+              <a:t>앱</a:t>
+            </a:r>
+            <a:r>
+              <a:rPr lang="ko-KR" altLang="en-US" sz="2000" dirty="0" smtClean="0">
+                <a:latin typeface="휴먼엑스포" panose="02030504000101010101" pitchFamily="18" charset="-127"/>
+                <a:ea typeface="휴먼엑스포" panose="02030504000101010101" pitchFamily="18" charset="-127"/>
+              </a:rPr>
+              <a:t> 생성 후 초기 설정 작업</a:t>
+            </a:r>
+            <a:endParaRPr lang="en-US" altLang="ko-KR" sz="2000" dirty="0" smtClean="0">
+              <a:latin typeface="휴먼엑스포" panose="02030504000101010101" pitchFamily="18" charset="-127"/>
+              <a:ea typeface="휴먼엑스포" panose="02030504000101010101" pitchFamily="18" charset="-127"/>
+            </a:endParaRPr>
+          </a:p>
+        </p:txBody>
+      </p:sp>
+      <p:sp>
+        <p:nvSpPr>
+          <p:cNvPr id="6" name="TextBox 5"/>
+          <p:cNvSpPr txBox="1"/>
+          <p:nvPr/>
+        </p:nvSpPr>
+        <p:spPr>
+          <a:xfrm>
+            <a:off x="1208584" y="1700808"/>
+            <a:ext cx="6768752" cy="3416320"/>
+          </a:xfrm>
+          <a:prstGeom prst="rect">
+            <a:avLst/>
+          </a:prstGeom>
+          <a:noFill/>
+        </p:spPr>
+        <p:txBody>
+          <a:bodyPr wrap="square" rtlCol="0">
+            <a:spAutoFit/>
+          </a:bodyPr>
+          <a:lstStyle/>
+          <a:p>
+            <a:pPr>
+              <a:lnSpc>
+                <a:spcPct val="150000"/>
+              </a:lnSpc>
+            </a:pPr>
+            <a:r>
+              <a:rPr lang="en-US" altLang="ko-KR" dirty="0" smtClean="0"/>
+              <a:t>3. </a:t>
+            </a:r>
+            <a:r>
+              <a:rPr lang="en-US" altLang="ko-KR" dirty="0"/>
+              <a:t>config/urls.py </a:t>
+            </a:r>
+            <a:r>
+              <a:rPr lang="ko-KR" altLang="en-US" dirty="0"/>
+              <a:t>경로 설정</a:t>
+            </a:r>
+            <a:endParaRPr lang="en-US" altLang="ko-KR" dirty="0"/>
+          </a:p>
+          <a:p>
+            <a:pPr marL="342900" indent="-342900">
+              <a:lnSpc>
+                <a:spcPct val="150000"/>
+              </a:lnSpc>
+              <a:buAutoNum type="arabicPeriod"/>
+            </a:pPr>
+            <a:endParaRPr lang="en-US" altLang="ko-KR" dirty="0" smtClean="0"/>
+          </a:p>
+          <a:p>
+            <a:pPr marL="342900" indent="-342900">
+              <a:lnSpc>
+                <a:spcPct val="150000"/>
+              </a:lnSpc>
+              <a:buAutoNum type="arabicPeriod"/>
+            </a:pPr>
+            <a:endParaRPr lang="en-US" altLang="ko-KR" dirty="0" smtClean="0"/>
+          </a:p>
+          <a:p>
+            <a:pPr marL="342900" indent="-342900">
+              <a:lnSpc>
+                <a:spcPct val="150000"/>
+              </a:lnSpc>
+              <a:buAutoNum type="arabicPeriod"/>
+            </a:pPr>
+            <a:endParaRPr lang="en-US" altLang="ko-KR" dirty="0"/>
+          </a:p>
+          <a:p>
+            <a:pPr marL="342900" indent="-342900">
+              <a:lnSpc>
+                <a:spcPct val="150000"/>
+              </a:lnSpc>
+              <a:buAutoNum type="arabicPeriod"/>
+            </a:pPr>
+            <a:endParaRPr lang="en-US" altLang="ko-KR" dirty="0" smtClean="0"/>
+          </a:p>
+          <a:p>
+            <a:pPr marL="342900" indent="-342900">
+              <a:lnSpc>
+                <a:spcPct val="150000"/>
+              </a:lnSpc>
+              <a:buAutoNum type="arabicPeriod"/>
+            </a:pPr>
+            <a:endParaRPr lang="en-US" altLang="ko-KR" dirty="0" smtClean="0"/>
+          </a:p>
+          <a:p>
+            <a:pPr marL="342900" indent="-342900">
+              <a:lnSpc>
+                <a:spcPct val="150000"/>
+              </a:lnSpc>
+              <a:buAutoNum type="arabicPeriod"/>
+            </a:pPr>
+            <a:endParaRPr lang="en-US" altLang="ko-KR" dirty="0" smtClean="0"/>
+          </a:p>
+          <a:p>
+            <a:pPr>
+              <a:lnSpc>
+                <a:spcPct val="150000"/>
+              </a:lnSpc>
+            </a:pPr>
+            <a:r>
+              <a:rPr lang="en-US" altLang="ko-KR" dirty="0" smtClean="0"/>
+              <a:t>4. common/urls.py </a:t>
+            </a:r>
+            <a:r>
+              <a:rPr lang="ko-KR" altLang="en-US" dirty="0" smtClean="0"/>
+              <a:t>생성하기</a:t>
+            </a:r>
+            <a:endParaRPr lang="en-US" altLang="ko-KR" dirty="0"/>
+          </a:p>
+        </p:txBody>
+      </p:sp>
+      <p:sp>
+        <p:nvSpPr>
+          <p:cNvPr id="8" name="TextBox 7"/>
+          <p:cNvSpPr txBox="1"/>
+          <p:nvPr/>
+        </p:nvSpPr>
+        <p:spPr>
+          <a:xfrm>
+            <a:off x="1568624" y="2208638"/>
+            <a:ext cx="5616624" cy="2308324"/>
+          </a:xfrm>
+          <a:prstGeom prst="rect">
+            <a:avLst/>
+          </a:prstGeom>
+          <a:noFill/>
+          <a:ln>
+            <a:solidFill>
+              <a:schemeClr val="bg1">
+                <a:lumMod val="85000"/>
+              </a:schemeClr>
+            </a:solidFill>
+          </a:ln>
+        </p:spPr>
+        <p:txBody>
+          <a:bodyPr wrap="square" rtlCol="0">
+            <a:spAutoFit/>
+          </a:bodyPr>
+          <a:lstStyle/>
+          <a:p>
+            <a:pPr>
+              <a:lnSpc>
+                <a:spcPct val="150000"/>
+              </a:lnSpc>
+            </a:pPr>
+            <a:endParaRPr lang="en-US" altLang="ko-KR" sz="1600" dirty="0" smtClean="0"/>
+          </a:p>
+          <a:p>
+            <a:pPr>
+              <a:lnSpc>
+                <a:spcPct val="150000"/>
+              </a:lnSpc>
+            </a:pPr>
+            <a:r>
+              <a:rPr lang="en-US" altLang="ko-KR" sz="1600" dirty="0" err="1"/>
+              <a:t>u</a:t>
+            </a:r>
+            <a:r>
+              <a:rPr lang="en-US" altLang="ko-KR" sz="1600" dirty="0" err="1" smtClean="0"/>
+              <a:t>rlpatterns</a:t>
+            </a:r>
+            <a:r>
+              <a:rPr lang="en-US" altLang="ko-KR" sz="1600" dirty="0" smtClean="0"/>
+              <a:t> = [</a:t>
+            </a:r>
+          </a:p>
+          <a:p>
+            <a:pPr>
+              <a:lnSpc>
+                <a:spcPct val="150000"/>
+              </a:lnSpc>
+            </a:pPr>
+            <a:r>
+              <a:rPr lang="en-US" altLang="ko-KR" sz="1600" dirty="0"/>
+              <a:t> </a:t>
+            </a:r>
+            <a:r>
+              <a:rPr lang="en-US" altLang="ko-KR" sz="1600" dirty="0" smtClean="0"/>
+              <a:t>   path(‘admin/’, </a:t>
+            </a:r>
+            <a:r>
+              <a:rPr lang="en-US" altLang="ko-KR" sz="1600" dirty="0" err="1" smtClean="0"/>
+              <a:t>admin.site.urls</a:t>
+            </a:r>
+            <a:r>
+              <a:rPr lang="en-US" altLang="ko-KR" sz="1600" dirty="0" smtClean="0"/>
+              <a:t>),</a:t>
+            </a:r>
+          </a:p>
+          <a:p>
+            <a:pPr>
+              <a:lnSpc>
+                <a:spcPct val="150000"/>
+              </a:lnSpc>
+            </a:pPr>
+            <a:r>
+              <a:rPr lang="en-US" altLang="ko-KR" sz="1600" dirty="0"/>
+              <a:t> </a:t>
+            </a:r>
+            <a:r>
+              <a:rPr lang="en-US" altLang="ko-KR" sz="1600" dirty="0" smtClean="0"/>
+              <a:t>   </a:t>
+            </a:r>
+            <a:r>
+              <a:rPr lang="en-US" altLang="ko-KR" sz="1600" dirty="0"/>
+              <a:t>path</a:t>
+            </a:r>
+            <a:r>
+              <a:rPr lang="en-US" altLang="ko-KR" sz="1600" dirty="0" smtClean="0"/>
+              <a:t>(‘</a:t>
+            </a:r>
+            <a:r>
+              <a:rPr lang="en-US" altLang="ko-KR" sz="1600" dirty="0" err="1" smtClean="0"/>
+              <a:t>pybo</a:t>
+            </a:r>
+            <a:r>
+              <a:rPr lang="en-US" altLang="ko-KR" sz="1600" dirty="0" smtClean="0"/>
+              <a:t>/’, include(‘</a:t>
+            </a:r>
+            <a:r>
+              <a:rPr lang="en-US" altLang="ko-KR" sz="1600" dirty="0" err="1" smtClean="0"/>
+              <a:t>pybo.urls</a:t>
+            </a:r>
+            <a:r>
+              <a:rPr lang="en-US" altLang="ko-KR" sz="1600" dirty="0" smtClean="0"/>
+              <a:t>’),</a:t>
+            </a:r>
+          </a:p>
+          <a:p>
+            <a:pPr>
+              <a:lnSpc>
+                <a:spcPct val="150000"/>
+              </a:lnSpc>
+            </a:pPr>
+            <a:r>
+              <a:rPr lang="en-US" altLang="ko-KR" sz="1600" dirty="0"/>
+              <a:t>    </a:t>
+            </a:r>
+            <a:r>
+              <a:rPr lang="en-US" altLang="ko-KR" sz="1600" b="1" dirty="0">
+                <a:solidFill>
+                  <a:srgbClr val="C00000"/>
+                </a:solidFill>
+              </a:rPr>
+              <a:t>path</a:t>
+            </a:r>
+            <a:r>
+              <a:rPr lang="en-US" altLang="ko-KR" sz="1600" b="1" dirty="0" smtClean="0">
+                <a:solidFill>
+                  <a:srgbClr val="C00000"/>
+                </a:solidFill>
+              </a:rPr>
+              <a:t>(‘common/’, </a:t>
+            </a:r>
+            <a:r>
+              <a:rPr lang="en-US" altLang="ko-KR" sz="1600" b="1" dirty="0">
+                <a:solidFill>
+                  <a:srgbClr val="C00000"/>
+                </a:solidFill>
+              </a:rPr>
+              <a:t>include(‘</a:t>
+            </a:r>
+            <a:r>
+              <a:rPr lang="en-US" altLang="ko-KR" sz="1600" b="1" dirty="0" err="1">
+                <a:solidFill>
+                  <a:srgbClr val="C00000"/>
+                </a:solidFill>
+              </a:rPr>
+              <a:t>common.urls</a:t>
+            </a:r>
+            <a:r>
+              <a:rPr lang="en-US" altLang="ko-KR" sz="1600" b="1" dirty="0" smtClean="0">
+                <a:solidFill>
+                  <a:srgbClr val="C00000"/>
+                </a:solidFill>
+              </a:rPr>
+              <a:t>’),</a:t>
+            </a:r>
+            <a:endParaRPr lang="en-US" altLang="ko-KR" sz="1600" b="1" dirty="0">
+              <a:solidFill>
+                <a:srgbClr val="C00000"/>
+              </a:solidFill>
+            </a:endParaRPr>
+          </a:p>
+          <a:p>
+            <a:pPr>
+              <a:lnSpc>
+                <a:spcPct val="150000"/>
+              </a:lnSpc>
+            </a:pPr>
+            <a:r>
+              <a:rPr lang="en-US" altLang="ko-KR" sz="1600" dirty="0" smtClean="0"/>
+              <a:t>]</a:t>
+            </a:r>
+            <a:endParaRPr lang="ko-KR" altLang="en-US" sz="1600" dirty="0"/>
+          </a:p>
+        </p:txBody>
+      </p:sp>
+      <p:sp>
+        <p:nvSpPr>
+          <p:cNvPr id="9" name="TextBox 8"/>
+          <p:cNvSpPr txBox="1"/>
+          <p:nvPr/>
+        </p:nvSpPr>
+        <p:spPr>
+          <a:xfrm>
+            <a:off x="1568624" y="5118093"/>
+            <a:ext cx="5544616" cy="1569660"/>
+          </a:xfrm>
+          <a:prstGeom prst="rect">
+            <a:avLst/>
+          </a:prstGeom>
+          <a:noFill/>
+          <a:ln>
+            <a:solidFill>
+              <a:schemeClr val="bg1">
+                <a:lumMod val="85000"/>
+              </a:schemeClr>
+            </a:solidFill>
+          </a:ln>
+        </p:spPr>
+        <p:txBody>
+          <a:bodyPr wrap="square" rtlCol="0">
+            <a:spAutoFit/>
+          </a:bodyPr>
+          <a:lstStyle/>
+          <a:p>
+            <a:pPr>
+              <a:lnSpc>
+                <a:spcPct val="150000"/>
+              </a:lnSpc>
+            </a:pPr>
+            <a:r>
+              <a:rPr lang="en-US" altLang="ko-KR" sz="1600" dirty="0" err="1">
+                <a:solidFill>
+                  <a:srgbClr val="C00000"/>
+                </a:solidFill>
+              </a:rPr>
+              <a:t>a</a:t>
+            </a:r>
+            <a:r>
+              <a:rPr lang="en-US" altLang="ko-KR" sz="1600" dirty="0" err="1" smtClean="0">
+                <a:solidFill>
+                  <a:srgbClr val="C00000"/>
+                </a:solidFill>
+              </a:rPr>
+              <a:t>pp_name</a:t>
+            </a:r>
+            <a:r>
+              <a:rPr lang="en-US" altLang="ko-KR" sz="1600" dirty="0" smtClean="0">
+                <a:solidFill>
+                  <a:srgbClr val="C00000"/>
+                </a:solidFill>
+              </a:rPr>
+              <a:t> = ‘common’</a:t>
+            </a:r>
+          </a:p>
+          <a:p>
+            <a:pPr>
+              <a:lnSpc>
+                <a:spcPct val="150000"/>
+              </a:lnSpc>
+            </a:pPr>
+            <a:endParaRPr lang="en-US" altLang="ko-KR" sz="1600" dirty="0" smtClean="0"/>
+          </a:p>
+          <a:p>
+            <a:pPr>
+              <a:lnSpc>
+                <a:spcPct val="150000"/>
+              </a:lnSpc>
+            </a:pPr>
+            <a:r>
+              <a:rPr lang="en-US" altLang="ko-KR" sz="1600" dirty="0" err="1">
+                <a:solidFill>
+                  <a:srgbClr val="C00000"/>
+                </a:solidFill>
+              </a:rPr>
+              <a:t>u</a:t>
+            </a:r>
+            <a:r>
+              <a:rPr lang="en-US" altLang="ko-KR" sz="1600" dirty="0" err="1" smtClean="0">
+                <a:solidFill>
+                  <a:srgbClr val="C00000"/>
+                </a:solidFill>
+              </a:rPr>
+              <a:t>rlpatterns</a:t>
+            </a:r>
+            <a:r>
+              <a:rPr lang="en-US" altLang="ko-KR" sz="1600" dirty="0" smtClean="0">
+                <a:solidFill>
+                  <a:srgbClr val="C00000"/>
+                </a:solidFill>
+              </a:rPr>
+              <a:t> = [</a:t>
+            </a:r>
+          </a:p>
+          <a:p>
+            <a:pPr>
+              <a:lnSpc>
+                <a:spcPct val="150000"/>
+              </a:lnSpc>
+            </a:pPr>
+            <a:r>
+              <a:rPr lang="en-US" altLang="ko-KR" sz="1600" dirty="0" smtClean="0">
+                <a:solidFill>
+                  <a:srgbClr val="C00000"/>
+                </a:solidFill>
+              </a:rPr>
+              <a:t>]</a:t>
+            </a:r>
+            <a:endParaRPr lang="ko-KR" altLang="en-US" sz="1600" dirty="0">
+              <a:solidFill>
+                <a:srgbClr val="C00000"/>
+              </a:solidFill>
+            </a:endParaRPr>
+          </a:p>
+        </p:txBody>
+      </p:sp>
+    </p:spTree>
+    <p:extLst>
+      <p:ext uri="{BB962C8B-B14F-4D97-AF65-F5344CB8AC3E}">
+        <p14:creationId xmlns:p14="http://schemas.microsoft.com/office/powerpoint/2010/main" val="4098964545"/>
+      </p:ext>
+    </p:extLst>
+  </p:cSld>
+  <p:clrMapOvr>
+    <a:masterClrMapping/>
+  </p:clrMapOvr>
+  <p:timing>
+    <p:tnLst>
+      <p:par>
+        <p:cTn id="1" dur="indefinite" restart="never" nodeType="tmRoot"/>
+      </p:par>
+    </p:tnLst>
+  </p:timing>
+</p:sld>
+</file>
+
+<file path=ppt/slides/slide40.xml><?xml version="1.0" encoding="utf-8"?>
+<p:sld xmlns:a="http://schemas.openxmlformats.org/drawingml/2006/main" xmlns:r="http://schemas.openxmlformats.org/officeDocument/2006/relationships" xmlns:p="http://schemas.openxmlformats.org/presentationml/2006/main">
+  <p:cSld>
+    <p:spTree>
+      <p:nvGrpSpPr>
+        <p:cNvPr id="1" name=""/>
+        <p:cNvGrpSpPr/>
+        <p:nvPr/>
+      </p:nvGrpSpPr>
+      <p:grpSpPr>
+        <a:xfrm>
+          <a:off x="0" y="0"/>
+          <a:ext cx="0" cy="0"/>
+          <a:chOff x="0" y="0"/>
+          <a:chExt cx="0" cy="0"/>
+        </a:xfrm>
+      </p:grpSpPr>
+      <p:sp>
+        <p:nvSpPr>
+          <p:cNvPr id="2" name="제목 1"/>
+          <p:cNvSpPr>
+            <a:spLocks noGrp="1"/>
+          </p:cNvSpPr>
+          <p:nvPr>
+            <p:ph type="title"/>
+          </p:nvPr>
+        </p:nvSpPr>
+        <p:spPr/>
+        <p:txBody>
+          <a:bodyPr>
+            <a:normAutofit/>
+          </a:bodyPr>
+          <a:lstStyle/>
+          <a:p>
+            <a:r>
+              <a:rPr lang="en-US" altLang="ko-KR" dirty="0"/>
+              <a:t> </a:t>
+            </a:r>
+            <a:r>
+              <a:rPr lang="ko-KR" altLang="en-US" dirty="0" smtClean="0"/>
+              <a:t>글쓴이</a:t>
+            </a:r>
+            <a:r>
+              <a:rPr lang="en-US" altLang="ko-KR" dirty="0" smtClean="0"/>
+              <a:t> </a:t>
+            </a:r>
+            <a:r>
+              <a:rPr lang="ko-KR" altLang="en-US" dirty="0" smtClean="0"/>
+              <a:t>표시하기</a:t>
+            </a:r>
+            <a:endParaRPr lang="ko-KR" altLang="en-US" dirty="0"/>
+          </a:p>
+        </p:txBody>
+      </p:sp>
+      <p:sp>
+        <p:nvSpPr>
+          <p:cNvPr id="4" name="슬라이드 번호 개체 틀 3"/>
+          <p:cNvSpPr>
+            <a:spLocks noGrp="1"/>
+          </p:cNvSpPr>
+          <p:nvPr>
+            <p:ph type="sldNum" sz="quarter" idx="12"/>
+          </p:nvPr>
+        </p:nvSpPr>
+        <p:spPr/>
+        <p:txBody>
+          <a:bodyPr/>
+          <a:lstStyle/>
+          <a:p>
+            <a:fld id="{1BDE3FE7-3AEA-4B05-AC5A-802D1816ACF0}" type="slidenum">
+              <a:rPr lang="ko-KR" altLang="en-US" smtClean="0"/>
+              <a:t>40</a:t>
             </a:fld>
             <a:endParaRPr lang="ko-KR" altLang="en-US"/>
           </a:p>
@@ -14034,7 +13477,7 @@
 </p:sld>
 </file>
 
-<file path=ppt/slides/slide43.xml><?xml version="1.0" encoding="utf-8"?>
+<file path=ppt/slides/slide41.xml><?xml version="1.0" encoding="utf-8"?>
 <p:sld xmlns:a="http://schemas.openxmlformats.org/drawingml/2006/main" xmlns:r="http://schemas.openxmlformats.org/officeDocument/2006/relationships" xmlns:p="http://schemas.openxmlformats.org/presentationml/2006/main">
   <p:cSld>
     <p:spTree>
@@ -14105,7 +13548,7 @@
           <a:p>
             <a:fld id="{1BDE3FE7-3AEA-4B05-AC5A-802D1816ACF0}" type="slidenum">
               <a:rPr lang="ko-KR" altLang="en-US" smtClean="0"/>
-              <a:t>43</a:t>
+              <a:t>41</a:t>
             </a:fld>
             <a:endParaRPr lang="ko-KR" altLang="en-US"/>
           </a:p>
@@ -14604,6 +14047,456 @@
     <p:extLst>
       <p:ext uri="{BB962C8B-B14F-4D97-AF65-F5344CB8AC3E}">
         <p14:creationId xmlns:p14="http://schemas.microsoft.com/office/powerpoint/2010/main" val="1661970573"/>
+      </p:ext>
+    </p:extLst>
+  </p:cSld>
+  <p:clrMapOvr>
+    <a:masterClrMapping/>
+  </p:clrMapOvr>
+  <p:timing>
+    <p:tnLst>
+      <p:par>
+        <p:cTn id="1" dur="indefinite" restart="never" nodeType="tmRoot"/>
+      </p:par>
+    </p:tnLst>
+  </p:timing>
+</p:sld>
+</file>
+
+<file path=ppt/slides/slide42.xml><?xml version="1.0" encoding="utf-8"?>
+<p:sld xmlns:a="http://schemas.openxmlformats.org/drawingml/2006/main" xmlns:r="http://schemas.openxmlformats.org/officeDocument/2006/relationships" xmlns:p="http://schemas.openxmlformats.org/presentationml/2006/main">
+  <p:cSld>
+    <p:spTree>
+      <p:nvGrpSpPr>
+        <p:cNvPr id="1" name=""/>
+        <p:cNvGrpSpPr/>
+        <p:nvPr/>
+      </p:nvGrpSpPr>
+      <p:grpSpPr>
+        <a:xfrm>
+          <a:off x="0" y="0"/>
+          <a:ext cx="0" cy="0"/>
+          <a:chOff x="0" y="0"/>
+          <a:chExt cx="0" cy="0"/>
+        </a:xfrm>
+      </p:grpSpPr>
+      <p:pic>
+        <p:nvPicPr>
+          <p:cNvPr id="6" name="그림 5"/>
+          <p:cNvPicPr>
+            <a:picLocks noChangeAspect="1"/>
+          </p:cNvPicPr>
+          <p:nvPr/>
+        </p:nvPicPr>
+        <p:blipFill rotWithShape="1">
+          <a:blip r:embed="rId2">
+            <a:extLst>
+              <a:ext uri="{28A0092B-C50C-407E-A947-70E740481C1C}">
+                <a14:useLocalDpi xmlns:a14="http://schemas.microsoft.com/office/drawing/2010/main" val="0"/>
+              </a:ext>
+            </a:extLst>
+          </a:blip>
+          <a:srcRect b="51394"/>
+          <a:stretch/>
+        </p:blipFill>
+        <p:spPr>
+          <a:xfrm>
+            <a:off x="628137" y="4077072"/>
+            <a:ext cx="8722960" cy="2350728"/>
+          </a:xfrm>
+          <a:prstGeom prst="rect">
+            <a:avLst/>
+          </a:prstGeom>
+        </p:spPr>
+      </p:pic>
+      <p:pic>
+        <p:nvPicPr>
+          <p:cNvPr id="5" name="그림 4"/>
+          <p:cNvPicPr>
+            <a:picLocks noChangeAspect="1"/>
+          </p:cNvPicPr>
+          <p:nvPr/>
+        </p:nvPicPr>
+        <p:blipFill>
+          <a:blip r:embed="rId3">
+            <a:extLst>
+              <a:ext uri="{28A0092B-C50C-407E-A947-70E740481C1C}">
+                <a14:useLocalDpi xmlns:a14="http://schemas.microsoft.com/office/drawing/2010/main" val="0"/>
+              </a:ext>
+            </a:extLst>
+          </a:blip>
+          <a:stretch>
+            <a:fillRect/>
+          </a:stretch>
+        </p:blipFill>
+        <p:spPr>
+          <a:xfrm>
+            <a:off x="617049" y="1412776"/>
+            <a:ext cx="8734048" cy="2568426"/>
+          </a:xfrm>
+          <a:prstGeom prst="rect">
+            <a:avLst/>
+          </a:prstGeom>
+          <a:ln>
+            <a:solidFill>
+              <a:schemeClr val="bg1">
+                <a:lumMod val="85000"/>
+              </a:schemeClr>
+            </a:solidFill>
+          </a:ln>
+        </p:spPr>
+      </p:pic>
+      <p:sp>
+        <p:nvSpPr>
+          <p:cNvPr id="2" name="제목 1"/>
+          <p:cNvSpPr>
+            <a:spLocks noGrp="1"/>
+          </p:cNvSpPr>
+          <p:nvPr>
+            <p:ph type="title"/>
+          </p:nvPr>
+        </p:nvSpPr>
+        <p:spPr/>
+        <p:txBody>
+          <a:bodyPr>
+            <a:normAutofit/>
+          </a:bodyPr>
+          <a:lstStyle/>
+          <a:p>
+            <a:r>
+              <a:rPr lang="en-US" altLang="ko-KR" dirty="0"/>
+              <a:t> </a:t>
+            </a:r>
+            <a:r>
+              <a:rPr lang="ko-KR" altLang="en-US" dirty="0" smtClean="0"/>
+              <a:t>글쓴이</a:t>
+            </a:r>
+            <a:r>
+              <a:rPr lang="en-US" altLang="ko-KR" dirty="0" smtClean="0"/>
+              <a:t> </a:t>
+            </a:r>
+            <a:r>
+              <a:rPr lang="ko-KR" altLang="en-US" dirty="0" smtClean="0"/>
+              <a:t>표시하기</a:t>
+            </a:r>
+            <a:endParaRPr lang="ko-KR" altLang="en-US" dirty="0"/>
+          </a:p>
+        </p:txBody>
+      </p:sp>
+      <p:sp>
+        <p:nvSpPr>
+          <p:cNvPr id="4" name="슬라이드 번호 개체 틀 3"/>
+          <p:cNvSpPr>
+            <a:spLocks noGrp="1"/>
+          </p:cNvSpPr>
+          <p:nvPr>
+            <p:ph type="sldNum" sz="quarter" idx="12"/>
+          </p:nvPr>
+        </p:nvSpPr>
+        <p:spPr/>
+        <p:txBody>
+          <a:bodyPr/>
+          <a:lstStyle/>
+          <a:p>
+            <a:fld id="{1BDE3FE7-3AEA-4B05-AC5A-802D1816ACF0}" type="slidenum">
+              <a:rPr lang="ko-KR" altLang="en-US" smtClean="0"/>
+              <a:t>42</a:t>
+            </a:fld>
+            <a:endParaRPr lang="ko-KR" altLang="en-US"/>
+          </a:p>
+        </p:txBody>
+      </p:sp>
+      <p:sp>
+        <p:nvSpPr>
+          <p:cNvPr id="10" name="모서리가 둥근 직사각형 9"/>
+          <p:cNvSpPr/>
+          <p:nvPr/>
+        </p:nvSpPr>
+        <p:spPr>
+          <a:xfrm>
+            <a:off x="8169357" y="1850563"/>
+            <a:ext cx="1368152" cy="1944216"/>
+          </a:xfrm>
+          <a:prstGeom prst="roundRect">
+            <a:avLst/>
+          </a:prstGeom>
+          <a:noFill/>
+          <a:ln w="19050">
+            <a:solidFill>
+              <a:srgbClr val="C00000"/>
+            </a:solidFill>
+            <a:prstDash val="dash"/>
+          </a:ln>
+        </p:spPr>
+        <p:style>
+          <a:lnRef idx="2">
+            <a:schemeClr val="accent1">
+              <a:shade val="50000"/>
+            </a:schemeClr>
+          </a:lnRef>
+          <a:fillRef idx="1">
+            <a:schemeClr val="accent1"/>
+          </a:fillRef>
+          <a:effectRef idx="0">
+            <a:schemeClr val="accent1"/>
+          </a:effectRef>
+          <a:fontRef idx="minor">
+            <a:schemeClr val="lt1"/>
+          </a:fontRef>
+        </p:style>
+        <p:txBody>
+          <a:bodyPr rtlCol="0" anchor="ctr"/>
+          <a:lstStyle/>
+          <a:p>
+            <a:pPr algn="ctr"/>
+            <a:endParaRPr lang="ko-KR" altLang="en-US"/>
+          </a:p>
+        </p:txBody>
+      </p:sp>
+      <p:sp>
+        <p:nvSpPr>
+          <p:cNvPr id="11" name="모서리가 둥근 직사각형 10"/>
+          <p:cNvSpPr/>
+          <p:nvPr/>
+        </p:nvSpPr>
+        <p:spPr>
+          <a:xfrm>
+            <a:off x="7399510" y="5285905"/>
+            <a:ext cx="1925419" cy="970862"/>
+          </a:xfrm>
+          <a:prstGeom prst="roundRect">
+            <a:avLst/>
+          </a:prstGeom>
+          <a:noFill/>
+          <a:ln w="19050">
+            <a:solidFill>
+              <a:srgbClr val="C00000"/>
+            </a:solidFill>
+            <a:prstDash val="dash"/>
+          </a:ln>
+        </p:spPr>
+        <p:style>
+          <a:lnRef idx="2">
+            <a:schemeClr val="accent1">
+              <a:shade val="50000"/>
+            </a:schemeClr>
+          </a:lnRef>
+          <a:fillRef idx="1">
+            <a:schemeClr val="accent1"/>
+          </a:fillRef>
+          <a:effectRef idx="0">
+            <a:schemeClr val="accent1"/>
+          </a:effectRef>
+          <a:fontRef idx="minor">
+            <a:schemeClr val="lt1"/>
+          </a:fontRef>
+        </p:style>
+        <p:txBody>
+          <a:bodyPr rtlCol="0" anchor="ctr"/>
+          <a:lstStyle/>
+          <a:p>
+            <a:pPr algn="ctr"/>
+            <a:endParaRPr lang="ko-KR" altLang="en-US"/>
+          </a:p>
+        </p:txBody>
+      </p:sp>
+    </p:spTree>
+    <p:extLst>
+      <p:ext uri="{BB962C8B-B14F-4D97-AF65-F5344CB8AC3E}">
+        <p14:creationId xmlns:p14="http://schemas.microsoft.com/office/powerpoint/2010/main" val="3605335635"/>
+      </p:ext>
+    </p:extLst>
+  </p:cSld>
+  <p:clrMapOvr>
+    <a:masterClrMapping/>
+  </p:clrMapOvr>
+  <p:timing>
+    <p:tnLst>
+      <p:par>
+        <p:cTn id="1" dur="indefinite" restart="never" nodeType="tmRoot"/>
+      </p:par>
+    </p:tnLst>
+  </p:timing>
+</p:sld>
+</file>
+
+<file path=ppt/slides/slide43.xml><?xml version="1.0" encoding="utf-8"?>
+<p:sld xmlns:a="http://schemas.openxmlformats.org/drawingml/2006/main" xmlns:r="http://schemas.openxmlformats.org/officeDocument/2006/relationships" xmlns:p="http://schemas.openxmlformats.org/presentationml/2006/main">
+  <p:cSld>
+    <p:spTree>
+      <p:nvGrpSpPr>
+        <p:cNvPr id="1" name=""/>
+        <p:cNvGrpSpPr/>
+        <p:nvPr/>
+      </p:nvGrpSpPr>
+      <p:grpSpPr>
+        <a:xfrm>
+          <a:off x="0" y="0"/>
+          <a:ext cx="0" cy="0"/>
+          <a:chOff x="0" y="0"/>
+          <a:chExt cx="0" cy="0"/>
+        </a:xfrm>
+      </p:grpSpPr>
+      <p:sp>
+        <p:nvSpPr>
+          <p:cNvPr id="2" name="제목 1"/>
+          <p:cNvSpPr>
+            <a:spLocks noGrp="1"/>
+          </p:cNvSpPr>
+          <p:nvPr>
+            <p:ph type="title"/>
+          </p:nvPr>
+        </p:nvSpPr>
+        <p:spPr/>
+        <p:txBody>
+          <a:bodyPr>
+            <a:normAutofit/>
+          </a:bodyPr>
+          <a:lstStyle/>
+          <a:p>
+            <a:r>
+              <a:rPr lang="en-US" altLang="ko-KR" dirty="0"/>
+              <a:t> </a:t>
+            </a:r>
+            <a:r>
+              <a:rPr lang="ko-KR" altLang="en-US" dirty="0" smtClean="0"/>
+              <a:t>글쓴이</a:t>
+            </a:r>
+            <a:r>
+              <a:rPr lang="en-US" altLang="ko-KR" dirty="0" smtClean="0"/>
+              <a:t> </a:t>
+            </a:r>
+            <a:r>
+              <a:rPr lang="ko-KR" altLang="en-US" dirty="0" smtClean="0"/>
+              <a:t>표시하기</a:t>
+            </a:r>
+            <a:endParaRPr lang="ko-KR" altLang="en-US" dirty="0"/>
+          </a:p>
+        </p:txBody>
+      </p:sp>
+      <p:sp>
+        <p:nvSpPr>
+          <p:cNvPr id="4" name="슬라이드 번호 개체 틀 3"/>
+          <p:cNvSpPr>
+            <a:spLocks noGrp="1"/>
+          </p:cNvSpPr>
+          <p:nvPr>
+            <p:ph type="sldNum" sz="quarter" idx="12"/>
+          </p:nvPr>
+        </p:nvSpPr>
+        <p:spPr/>
+        <p:txBody>
+          <a:bodyPr/>
+          <a:lstStyle/>
+          <a:p>
+            <a:fld id="{1BDE3FE7-3AEA-4B05-AC5A-802D1816ACF0}" type="slidenum">
+              <a:rPr lang="ko-KR" altLang="en-US" smtClean="0"/>
+              <a:t>43</a:t>
+            </a:fld>
+            <a:endParaRPr lang="ko-KR" altLang="en-US"/>
+          </a:p>
+        </p:txBody>
+      </p:sp>
+      <p:sp>
+        <p:nvSpPr>
+          <p:cNvPr id="5" name="TextBox 4"/>
+          <p:cNvSpPr txBox="1"/>
+          <p:nvPr/>
+        </p:nvSpPr>
+        <p:spPr>
+          <a:xfrm>
+            <a:off x="992560" y="1122125"/>
+            <a:ext cx="4896544" cy="509178"/>
+          </a:xfrm>
+          <a:prstGeom prst="rect">
+            <a:avLst/>
+          </a:prstGeom>
+          <a:ln>
+            <a:noFill/>
+          </a:ln>
+        </p:spPr>
+        <p:style>
+          <a:lnRef idx="2">
+            <a:schemeClr val="dk1"/>
+          </a:lnRef>
+          <a:fillRef idx="1">
+            <a:schemeClr val="lt1"/>
+          </a:fillRef>
+          <a:effectRef idx="0">
+            <a:schemeClr val="dk1"/>
+          </a:effectRef>
+          <a:fontRef idx="minor">
+            <a:schemeClr val="dk1"/>
+          </a:fontRef>
+        </p:style>
+        <p:txBody>
+          <a:bodyPr wrap="square" rtlCol="0">
+            <a:spAutoFit/>
+          </a:bodyPr>
+          <a:lstStyle/>
+          <a:p>
+            <a:pPr marL="342900" indent="-342900">
+              <a:lnSpc>
+                <a:spcPct val="150000"/>
+              </a:lnSpc>
+              <a:buFont typeface="Wingdings" panose="05000000000000000000" pitchFamily="2" charset="2"/>
+              <a:buChar char="l"/>
+            </a:pPr>
+            <a:r>
+              <a:rPr lang="ko-KR" altLang="en-US" sz="2000" dirty="0" smtClean="0">
+                <a:latin typeface="휴먼엑스포" panose="02030504000101010101" pitchFamily="18" charset="-127"/>
+                <a:ea typeface="휴먼엑스포" panose="02030504000101010101" pitchFamily="18" charset="-127"/>
+              </a:rPr>
+              <a:t>질문 목록 화면에 글쓴이 표시하기</a:t>
+            </a:r>
+            <a:endParaRPr lang="en-US" altLang="ko-KR" sz="2000" dirty="0" smtClean="0">
+              <a:latin typeface="휴먼엑스포" panose="02030504000101010101" pitchFamily="18" charset="-127"/>
+              <a:ea typeface="휴먼엑스포" panose="02030504000101010101" pitchFamily="18" charset="-127"/>
+            </a:endParaRPr>
+          </a:p>
+        </p:txBody>
+      </p:sp>
+      <p:pic>
+        <p:nvPicPr>
+          <p:cNvPr id="3" name="그림 2"/>
+          <p:cNvPicPr>
+            <a:picLocks noChangeAspect="1"/>
+          </p:cNvPicPr>
+          <p:nvPr/>
+        </p:nvPicPr>
+        <p:blipFill>
+          <a:blip r:embed="rId2">
+            <a:extLst>
+              <a:ext uri="{28A0092B-C50C-407E-A947-70E740481C1C}">
+                <a14:useLocalDpi xmlns:a14="http://schemas.microsoft.com/office/drawing/2010/main" val="0"/>
+              </a:ext>
+            </a:extLst>
+          </a:blip>
+          <a:stretch>
+            <a:fillRect/>
+          </a:stretch>
+        </p:blipFill>
+        <p:spPr>
+          <a:xfrm>
+            <a:off x="1424608" y="1717325"/>
+            <a:ext cx="6320035" cy="4880027"/>
+          </a:xfrm>
+          <a:prstGeom prst="rect">
+            <a:avLst/>
+          </a:prstGeom>
+          <a:ln>
+            <a:solidFill>
+              <a:schemeClr val="bg1">
+                <a:lumMod val="85000"/>
+              </a:schemeClr>
+            </a:solidFill>
+          </a:ln>
+        </p:spPr>
+      </p:pic>
+    </p:spTree>
+    <p:extLst>
+      <p:ext uri="{BB962C8B-B14F-4D97-AF65-F5344CB8AC3E}">
+        <p14:creationId xmlns:p14="http://schemas.microsoft.com/office/powerpoint/2010/main" val="2068359273"/>
       </p:ext>
     </p:extLst>
   </p:cSld>
@@ -14692,463 +14585,6 @@
             <a:fld id="{1BDE3FE7-3AEA-4B05-AC5A-802D1816ACF0}" type="slidenum">
               <a:rPr lang="ko-KR" altLang="en-US" smtClean="0"/>
               <a:t>44</a:t>
-            </a:fld>
-            <a:endParaRPr lang="ko-KR" altLang="en-US"/>
-          </a:p>
-        </p:txBody>
-      </p:sp>
-      <p:pic>
-        <p:nvPicPr>
-          <p:cNvPr id="3" name="그림 2"/>
-          <p:cNvPicPr>
-            <a:picLocks noChangeAspect="1"/>
-          </p:cNvPicPr>
-          <p:nvPr/>
-        </p:nvPicPr>
-        <p:blipFill rotWithShape="1">
-          <a:blip r:embed="rId2">
-            <a:extLst>
-              <a:ext uri="{28A0092B-C50C-407E-A947-70E740481C1C}">
-                <a14:useLocalDpi xmlns:a14="http://schemas.microsoft.com/office/drawing/2010/main" val="0"/>
-              </a:ext>
-            </a:extLst>
-          </a:blip>
-          <a:srcRect b="19117"/>
-          <a:stretch/>
-        </p:blipFill>
-        <p:spPr>
-          <a:xfrm>
-            <a:off x="731980" y="1340768"/>
-            <a:ext cx="8496944" cy="1580930"/>
-          </a:xfrm>
-          <a:prstGeom prst="rect">
-            <a:avLst/>
-          </a:prstGeom>
-          <a:ln>
-            <a:solidFill>
-              <a:schemeClr val="bg1">
-                <a:lumMod val="85000"/>
-              </a:schemeClr>
-            </a:solidFill>
-          </a:ln>
-        </p:spPr>
-      </p:pic>
-      <p:pic>
-        <p:nvPicPr>
-          <p:cNvPr id="7" name="그림 6"/>
-          <p:cNvPicPr>
-            <a:picLocks noChangeAspect="1"/>
-          </p:cNvPicPr>
-          <p:nvPr/>
-        </p:nvPicPr>
-        <p:blipFill>
-          <a:blip r:embed="rId3">
-            <a:extLst>
-              <a:ext uri="{28A0092B-C50C-407E-A947-70E740481C1C}">
-                <a14:useLocalDpi xmlns:a14="http://schemas.microsoft.com/office/drawing/2010/main" val="0"/>
-              </a:ext>
-            </a:extLst>
-          </a:blip>
-          <a:stretch>
-            <a:fillRect/>
-          </a:stretch>
-        </p:blipFill>
-        <p:spPr>
-          <a:xfrm>
-            <a:off x="1280592" y="2996952"/>
-            <a:ext cx="7238562" cy="3586557"/>
-          </a:xfrm>
-          <a:prstGeom prst="rect">
-            <a:avLst/>
-          </a:prstGeom>
-          <a:ln>
-            <a:solidFill>
-              <a:schemeClr val="bg1">
-                <a:lumMod val="85000"/>
-              </a:schemeClr>
-            </a:solidFill>
-          </a:ln>
-        </p:spPr>
-      </p:pic>
-      <p:sp>
-        <p:nvSpPr>
-          <p:cNvPr id="10" name="모서리가 둥근 직사각형 9"/>
-          <p:cNvSpPr/>
-          <p:nvPr/>
-        </p:nvSpPr>
-        <p:spPr>
-          <a:xfrm>
-            <a:off x="5385048" y="1196752"/>
-            <a:ext cx="1368152" cy="1944216"/>
-          </a:xfrm>
-          <a:prstGeom prst="roundRect">
-            <a:avLst/>
-          </a:prstGeom>
-          <a:noFill/>
-          <a:ln w="19050">
-            <a:solidFill>
-              <a:srgbClr val="C00000"/>
-            </a:solidFill>
-            <a:prstDash val="dash"/>
-          </a:ln>
-        </p:spPr>
-        <p:style>
-          <a:lnRef idx="2">
-            <a:schemeClr val="accent1">
-              <a:shade val="50000"/>
-            </a:schemeClr>
-          </a:lnRef>
-          <a:fillRef idx="1">
-            <a:schemeClr val="accent1"/>
-          </a:fillRef>
-          <a:effectRef idx="0">
-            <a:schemeClr val="accent1"/>
-          </a:effectRef>
-          <a:fontRef idx="minor">
-            <a:schemeClr val="lt1"/>
-          </a:fontRef>
-        </p:style>
-        <p:txBody>
-          <a:bodyPr rtlCol="0" anchor="ctr"/>
-          <a:lstStyle/>
-          <a:p>
-            <a:pPr algn="ctr"/>
-            <a:endParaRPr lang="ko-KR" altLang="en-US"/>
-          </a:p>
-        </p:txBody>
-      </p:sp>
-      <p:sp>
-        <p:nvSpPr>
-          <p:cNvPr id="11" name="모서리가 둥근 직사각형 10"/>
-          <p:cNvSpPr/>
-          <p:nvPr/>
-        </p:nvSpPr>
-        <p:spPr>
-          <a:xfrm>
-            <a:off x="7041232" y="4774002"/>
-            <a:ext cx="1368152" cy="1944216"/>
-          </a:xfrm>
-          <a:prstGeom prst="roundRect">
-            <a:avLst/>
-          </a:prstGeom>
-          <a:noFill/>
-          <a:ln w="19050">
-            <a:solidFill>
-              <a:srgbClr val="C00000"/>
-            </a:solidFill>
-            <a:prstDash val="dash"/>
-          </a:ln>
-        </p:spPr>
-        <p:style>
-          <a:lnRef idx="2">
-            <a:schemeClr val="accent1">
-              <a:shade val="50000"/>
-            </a:schemeClr>
-          </a:lnRef>
-          <a:fillRef idx="1">
-            <a:schemeClr val="accent1"/>
-          </a:fillRef>
-          <a:effectRef idx="0">
-            <a:schemeClr val="accent1"/>
-          </a:effectRef>
-          <a:fontRef idx="minor">
-            <a:schemeClr val="lt1"/>
-          </a:fontRef>
-        </p:style>
-        <p:txBody>
-          <a:bodyPr rtlCol="0" anchor="ctr"/>
-          <a:lstStyle/>
-          <a:p>
-            <a:pPr algn="ctr"/>
-            <a:endParaRPr lang="ko-KR" altLang="en-US"/>
-          </a:p>
-        </p:txBody>
-      </p:sp>
-    </p:spTree>
-    <p:extLst>
-      <p:ext uri="{BB962C8B-B14F-4D97-AF65-F5344CB8AC3E}">
-        <p14:creationId xmlns:p14="http://schemas.microsoft.com/office/powerpoint/2010/main" val="3605335635"/>
-      </p:ext>
-    </p:extLst>
-  </p:cSld>
-  <p:clrMapOvr>
-    <a:masterClrMapping/>
-  </p:clrMapOvr>
-  <p:timing>
-    <p:tnLst>
-      <p:par>
-        <p:cTn id="1" dur="indefinite" restart="never" nodeType="tmRoot"/>
-      </p:par>
-    </p:tnLst>
-  </p:timing>
-</p:sld>
-</file>
-
-<file path=ppt/slides/slide45.xml><?xml version="1.0" encoding="utf-8"?>
-<p:sld xmlns:a="http://schemas.openxmlformats.org/drawingml/2006/main" xmlns:r="http://schemas.openxmlformats.org/officeDocument/2006/relationships" xmlns:p="http://schemas.openxmlformats.org/presentationml/2006/main">
-  <p:cSld>
-    <p:spTree>
-      <p:nvGrpSpPr>
-        <p:cNvPr id="1" name=""/>
-        <p:cNvGrpSpPr/>
-        <p:nvPr/>
-      </p:nvGrpSpPr>
-      <p:grpSpPr>
-        <a:xfrm>
-          <a:off x="0" y="0"/>
-          <a:ext cx="0" cy="0"/>
-          <a:chOff x="0" y="0"/>
-          <a:chExt cx="0" cy="0"/>
-        </a:xfrm>
-      </p:grpSpPr>
-      <p:sp>
-        <p:nvSpPr>
-          <p:cNvPr id="2" name="제목 1"/>
-          <p:cNvSpPr>
-            <a:spLocks noGrp="1"/>
-          </p:cNvSpPr>
-          <p:nvPr>
-            <p:ph type="title"/>
-          </p:nvPr>
-        </p:nvSpPr>
-        <p:spPr/>
-        <p:txBody>
-          <a:bodyPr>
-            <a:normAutofit/>
-          </a:bodyPr>
-          <a:lstStyle/>
-          <a:p>
-            <a:r>
-              <a:rPr lang="en-US" altLang="ko-KR" dirty="0"/>
-              <a:t> </a:t>
-            </a:r>
-            <a:r>
-              <a:rPr lang="ko-KR" altLang="en-US" dirty="0" smtClean="0"/>
-              <a:t>글쓴이</a:t>
-            </a:r>
-            <a:r>
-              <a:rPr lang="en-US" altLang="ko-KR" dirty="0" smtClean="0"/>
-              <a:t> </a:t>
-            </a:r>
-            <a:r>
-              <a:rPr lang="ko-KR" altLang="en-US" dirty="0" smtClean="0"/>
-              <a:t>표시하기</a:t>
-            </a:r>
-            <a:endParaRPr lang="ko-KR" altLang="en-US" dirty="0"/>
-          </a:p>
-        </p:txBody>
-      </p:sp>
-      <p:sp>
-        <p:nvSpPr>
-          <p:cNvPr id="4" name="슬라이드 번호 개체 틀 3"/>
-          <p:cNvSpPr>
-            <a:spLocks noGrp="1"/>
-          </p:cNvSpPr>
-          <p:nvPr>
-            <p:ph type="sldNum" sz="quarter" idx="12"/>
-          </p:nvPr>
-        </p:nvSpPr>
-        <p:spPr/>
-        <p:txBody>
-          <a:bodyPr/>
-          <a:lstStyle/>
-          <a:p>
-            <a:fld id="{1BDE3FE7-3AEA-4B05-AC5A-802D1816ACF0}" type="slidenum">
-              <a:rPr lang="ko-KR" altLang="en-US" smtClean="0"/>
-              <a:t>45</a:t>
-            </a:fld>
-            <a:endParaRPr lang="ko-KR" altLang="en-US"/>
-          </a:p>
-        </p:txBody>
-      </p:sp>
-      <p:sp>
-        <p:nvSpPr>
-          <p:cNvPr id="5" name="TextBox 4"/>
-          <p:cNvSpPr txBox="1"/>
-          <p:nvPr/>
-        </p:nvSpPr>
-        <p:spPr>
-          <a:xfrm>
-            <a:off x="992560" y="1122125"/>
-            <a:ext cx="4896544" cy="509178"/>
-          </a:xfrm>
-          <a:prstGeom prst="rect">
-            <a:avLst/>
-          </a:prstGeom>
-          <a:ln>
-            <a:noFill/>
-          </a:ln>
-        </p:spPr>
-        <p:style>
-          <a:lnRef idx="2">
-            <a:schemeClr val="dk1"/>
-          </a:lnRef>
-          <a:fillRef idx="1">
-            <a:schemeClr val="lt1"/>
-          </a:fillRef>
-          <a:effectRef idx="0">
-            <a:schemeClr val="dk1"/>
-          </a:effectRef>
-          <a:fontRef idx="minor">
-            <a:schemeClr val="dk1"/>
-          </a:fontRef>
-        </p:style>
-        <p:txBody>
-          <a:bodyPr wrap="square" rtlCol="0">
-            <a:spAutoFit/>
-          </a:bodyPr>
-          <a:lstStyle/>
-          <a:p>
-            <a:pPr marL="342900" indent="-342900">
-              <a:lnSpc>
-                <a:spcPct val="150000"/>
-              </a:lnSpc>
-              <a:buFont typeface="Wingdings" panose="05000000000000000000" pitchFamily="2" charset="2"/>
-              <a:buChar char="l"/>
-            </a:pPr>
-            <a:r>
-              <a:rPr lang="ko-KR" altLang="en-US" sz="2000" dirty="0" smtClean="0">
-                <a:latin typeface="휴먼엑스포" panose="02030504000101010101" pitchFamily="18" charset="-127"/>
-                <a:ea typeface="휴먼엑스포" panose="02030504000101010101" pitchFamily="18" charset="-127"/>
-              </a:rPr>
-              <a:t>질문 목록 화면에 글쓴이 표시하기</a:t>
-            </a:r>
-            <a:endParaRPr lang="en-US" altLang="ko-KR" sz="2000" dirty="0" smtClean="0">
-              <a:latin typeface="휴먼엑스포" panose="02030504000101010101" pitchFamily="18" charset="-127"/>
-              <a:ea typeface="휴먼엑스포" panose="02030504000101010101" pitchFamily="18" charset="-127"/>
-            </a:endParaRPr>
-          </a:p>
-        </p:txBody>
-      </p:sp>
-      <p:pic>
-        <p:nvPicPr>
-          <p:cNvPr id="6" name="그림 5"/>
-          <p:cNvPicPr>
-            <a:picLocks noChangeAspect="1"/>
-          </p:cNvPicPr>
-          <p:nvPr/>
-        </p:nvPicPr>
-        <p:blipFill>
-          <a:blip r:embed="rId2">
-            <a:extLst>
-              <a:ext uri="{28A0092B-C50C-407E-A947-70E740481C1C}">
-                <a14:useLocalDpi xmlns:a14="http://schemas.microsoft.com/office/drawing/2010/main" val="0"/>
-              </a:ext>
-            </a:extLst>
-          </a:blip>
-          <a:stretch>
-            <a:fillRect/>
-          </a:stretch>
-        </p:blipFill>
-        <p:spPr>
-          <a:xfrm>
-            <a:off x="1324068" y="1772816"/>
-            <a:ext cx="7003387" cy="4458087"/>
-          </a:xfrm>
-          <a:prstGeom prst="rect">
-            <a:avLst/>
-          </a:prstGeom>
-          <a:ln>
-            <a:solidFill>
-              <a:schemeClr val="bg1">
-                <a:lumMod val="85000"/>
-              </a:schemeClr>
-            </a:solidFill>
-          </a:ln>
-        </p:spPr>
-      </p:pic>
-    </p:spTree>
-    <p:extLst>
-      <p:ext uri="{BB962C8B-B14F-4D97-AF65-F5344CB8AC3E}">
-        <p14:creationId xmlns:p14="http://schemas.microsoft.com/office/powerpoint/2010/main" val="2068359273"/>
-      </p:ext>
-    </p:extLst>
-  </p:cSld>
-  <p:clrMapOvr>
-    <a:masterClrMapping/>
-  </p:clrMapOvr>
-  <p:timing>
-    <p:tnLst>
-      <p:par>
-        <p:cTn id="1" dur="indefinite" restart="never" nodeType="tmRoot"/>
-      </p:par>
-    </p:tnLst>
-  </p:timing>
-</p:sld>
-</file>
-
-<file path=ppt/slides/slide46.xml><?xml version="1.0" encoding="utf-8"?>
-<p:sld xmlns:a="http://schemas.openxmlformats.org/drawingml/2006/main" xmlns:r="http://schemas.openxmlformats.org/officeDocument/2006/relationships" xmlns:p="http://schemas.openxmlformats.org/presentationml/2006/main">
-  <p:cSld>
-    <p:spTree>
-      <p:nvGrpSpPr>
-        <p:cNvPr id="1" name=""/>
-        <p:cNvGrpSpPr/>
-        <p:nvPr/>
-      </p:nvGrpSpPr>
-      <p:grpSpPr>
-        <a:xfrm>
-          <a:off x="0" y="0"/>
-          <a:ext cx="0" cy="0"/>
-          <a:chOff x="0" y="0"/>
-          <a:chExt cx="0" cy="0"/>
-        </a:xfrm>
-      </p:grpSpPr>
-      <p:sp>
-        <p:nvSpPr>
-          <p:cNvPr id="2" name="제목 1"/>
-          <p:cNvSpPr>
-            <a:spLocks noGrp="1"/>
-          </p:cNvSpPr>
-          <p:nvPr>
-            <p:ph type="title"/>
-          </p:nvPr>
-        </p:nvSpPr>
-        <p:spPr/>
-        <p:txBody>
-          <a:bodyPr>
-            <a:normAutofit/>
-          </a:bodyPr>
-          <a:lstStyle/>
-          <a:p>
-            <a:r>
-              <a:rPr lang="en-US" altLang="ko-KR" dirty="0"/>
-              <a:t> </a:t>
-            </a:r>
-            <a:r>
-              <a:rPr lang="ko-KR" altLang="en-US" dirty="0" smtClean="0"/>
-              <a:t>글쓴이</a:t>
-            </a:r>
-            <a:r>
-              <a:rPr lang="en-US" altLang="ko-KR" dirty="0" smtClean="0"/>
-              <a:t> </a:t>
-            </a:r>
-            <a:r>
-              <a:rPr lang="ko-KR" altLang="en-US" dirty="0" smtClean="0"/>
-              <a:t>표시하기</a:t>
-            </a:r>
-            <a:endParaRPr lang="ko-KR" altLang="en-US" dirty="0"/>
-          </a:p>
-        </p:txBody>
-      </p:sp>
-      <p:sp>
-        <p:nvSpPr>
-          <p:cNvPr id="4" name="슬라이드 번호 개체 틀 3"/>
-          <p:cNvSpPr>
-            <a:spLocks noGrp="1"/>
-          </p:cNvSpPr>
-          <p:nvPr>
-            <p:ph type="sldNum" sz="quarter" idx="12"/>
-          </p:nvPr>
-        </p:nvSpPr>
-        <p:spPr/>
-        <p:txBody>
-          <a:bodyPr/>
-          <a:lstStyle/>
-          <a:p>
-            <a:fld id="{1BDE3FE7-3AEA-4B05-AC5A-802D1816ACF0}" type="slidenum">
-              <a:rPr lang="ko-KR" altLang="en-US" smtClean="0"/>
-              <a:t>46</a:t>
             </a:fld>
             <a:endParaRPr lang="ko-KR" altLang="en-US"/>
           </a:p>
@@ -15321,7 +14757,7 @@
 </p:sld>
 </file>
 
-<file path=ppt/slides/slide47.xml><?xml version="1.0" encoding="utf-8"?>
+<file path=ppt/slides/slide45.xml><?xml version="1.0" encoding="utf-8"?>
 <p:sld xmlns:a="http://schemas.openxmlformats.org/drawingml/2006/main" xmlns:r="http://schemas.openxmlformats.org/officeDocument/2006/relationships" xmlns:p="http://schemas.openxmlformats.org/presentationml/2006/main">
   <p:cSld>
     <p:spTree>
@@ -15400,7 +14836,7 @@
           <a:p>
             <a:fld id="{1BDE3FE7-3AEA-4B05-AC5A-802D1816ACF0}" type="slidenum">
               <a:rPr lang="ko-KR" altLang="en-US" smtClean="0"/>
-              <a:t>47</a:t>
+              <a:t>45</a:t>
             </a:fld>
             <a:endParaRPr lang="ko-KR" altLang="en-US"/>
           </a:p>
@@ -15531,7 +14967,7 @@
             <a:r>
               <a:rPr lang="en-US" altLang="ko-KR" b="1" dirty="0">
                 <a:solidFill>
-                  <a:srgbClr val="FFC000"/>
+                  <a:srgbClr val="C00000"/>
                 </a:solidFill>
               </a:rPr>
               <a:t>@</a:t>
@@ -15539,7 +14975,7 @@
             <a:r>
               <a:rPr lang="en-US" altLang="ko-KR" b="1" dirty="0" err="1">
                 <a:solidFill>
-                  <a:srgbClr val="FFC000"/>
+                  <a:srgbClr val="C00000"/>
                 </a:solidFill>
               </a:rPr>
               <a:t>login_required</a:t>
@@ -15547,7 +14983,7 @@
             <a:r>
               <a:rPr lang="en-US" altLang="ko-KR" b="1" dirty="0">
                 <a:solidFill>
-                  <a:srgbClr val="FFC000"/>
+                  <a:srgbClr val="C00000"/>
                 </a:solidFill>
               </a:rPr>
               <a:t>(</a:t>
@@ -15555,7 +14991,7 @@
             <a:r>
               <a:rPr lang="en-US" altLang="ko-KR" b="1" dirty="0" err="1">
                 <a:solidFill>
-                  <a:srgbClr val="FFC000"/>
+                  <a:srgbClr val="C00000"/>
                 </a:solidFill>
               </a:rPr>
               <a:t>login_url</a:t>
@@ -15563,7 +14999,7 @@
             <a:r>
               <a:rPr lang="en-US" altLang="ko-KR" b="1" dirty="0">
                 <a:solidFill>
-                  <a:srgbClr val="FFC000"/>
+                  <a:srgbClr val="C00000"/>
                 </a:solidFill>
               </a:rPr>
               <a:t>=‘</a:t>
@@ -15571,22 +15007,22 @@
             <a:r>
               <a:rPr lang="en-US" altLang="ko-KR" b="1" dirty="0" err="1" smtClean="0">
                 <a:solidFill>
-                  <a:srgbClr val="FFC000"/>
+                  <a:srgbClr val="C00000"/>
                 </a:solidFill>
               </a:rPr>
-              <a:t>common:login</a:t>
+              <a:t>common:signin</a:t>
             </a:r>
             <a:r>
               <a:rPr lang="en-US" altLang="ko-KR" b="1" dirty="0" smtClean="0">
                 <a:solidFill>
-                  <a:srgbClr val="FFC000"/>
+                  <a:srgbClr val="C00000"/>
                 </a:solidFill>
               </a:rPr>
               <a:t>’)</a:t>
             </a:r>
             <a:endParaRPr lang="en-US" altLang="ko-KR" b="1" dirty="0">
               <a:solidFill>
-                <a:srgbClr val="FFC000"/>
+                <a:srgbClr val="C00000"/>
               </a:solidFill>
             </a:endParaRPr>
           </a:p>
@@ -15594,14 +15030,50 @@
       </p:sp>
       <p:pic>
         <p:nvPicPr>
-          <p:cNvPr id="3" name="그림 2"/>
+          <p:cNvPr id="7" name="그림 6"/>
+          <p:cNvPicPr>
+            <a:picLocks noChangeAspect="1"/>
+          </p:cNvPicPr>
+          <p:nvPr/>
+        </p:nvPicPr>
+        <p:blipFill rotWithShape="1">
+          <a:blip r:embed="rId2">
+            <a:extLst>
+              <a:ext uri="{28A0092B-C50C-407E-A947-70E740481C1C}">
+                <a14:useLocalDpi xmlns:a14="http://schemas.microsoft.com/office/drawing/2010/main" val="0"/>
+              </a:ext>
+            </a:extLst>
+          </a:blip>
+          <a:srcRect b="38262"/>
+          <a:stretch/>
+        </p:blipFill>
+        <p:spPr>
+          <a:xfrm>
+            <a:off x="1712640" y="2850145"/>
+            <a:ext cx="6340389" cy="1514959"/>
+          </a:xfrm>
+          <a:prstGeom prst="rect">
+            <a:avLst/>
+          </a:prstGeom>
+          <a:ln>
+            <a:solidFill>
+              <a:schemeClr val="bg1">
+                <a:lumMod val="85000"/>
+              </a:schemeClr>
+            </a:solidFill>
+          </a:ln>
+        </p:spPr>
+      </p:pic>
+      <p:pic>
+        <p:nvPicPr>
+          <p:cNvPr id="8" name="그림 7"/>
           <p:cNvPicPr>
             <a:picLocks noChangeAspect="1"/>
           </p:cNvPicPr>
           <p:nvPr/>
         </p:nvPicPr>
         <p:blipFill>
-          <a:blip r:embed="rId2">
+          <a:blip r:embed="rId3">
             <a:extLst>
               <a:ext uri="{28A0092B-C50C-407E-A947-70E740481C1C}">
                 <a14:useLocalDpi xmlns:a14="http://schemas.microsoft.com/office/drawing/2010/main" val="0"/>
@@ -15614,8 +15086,8 @@
         </p:blipFill>
         <p:spPr>
           <a:xfrm>
-            <a:off x="1496616" y="2924944"/>
-            <a:ext cx="6172735" cy="2194750"/>
+            <a:off x="1784648" y="4554585"/>
+            <a:ext cx="6268381" cy="1826743"/>
           </a:xfrm>
           <a:prstGeom prst="rect">
             <a:avLst/>
@@ -15649,7 +15121,7 @@
 </p:sld>
 </file>
 
-<file path=ppt/slides/slide48.xml><?xml version="1.0" encoding="utf-8"?>
+<file path=ppt/slides/slide46.xml><?xml version="1.0" encoding="utf-8"?>
 <p:sld xmlns:a="http://schemas.openxmlformats.org/drawingml/2006/main" xmlns:r="http://schemas.openxmlformats.org/officeDocument/2006/relationships" xmlns:p="http://schemas.openxmlformats.org/presentationml/2006/main">
   <p:cSld>
     <p:spTree>
@@ -15712,7 +15184,7 @@
           <a:p>
             <a:fld id="{1BDE3FE7-3AEA-4B05-AC5A-802D1816ACF0}" type="slidenum">
               <a:rPr lang="ko-KR" altLang="en-US" smtClean="0"/>
-              <a:t>48</a:t>
+              <a:t>46</a:t>
             </a:fld>
             <a:endParaRPr lang="ko-KR" altLang="en-US"/>
           </a:p>
@@ -16563,7 +16035,7 @@
       </p:sp>
       <p:pic>
         <p:nvPicPr>
-          <p:cNvPr id="5" name="그림 4"/>
+          <p:cNvPr id="3" name="그림 2"/>
           <p:cNvPicPr>
             <a:picLocks noChangeAspect="1"/>
           </p:cNvPicPr>
@@ -16583,8 +16055,8 @@
         </p:blipFill>
         <p:spPr>
           <a:xfrm>
-            <a:off x="1640632" y="1700808"/>
-            <a:ext cx="6226080" cy="4694327"/>
+            <a:off x="872496" y="1762573"/>
+            <a:ext cx="8237934" cy="4130398"/>
           </a:xfrm>
           <a:prstGeom prst="rect">
             <a:avLst/>

--- a/django_ppt/pyweb_ppt/pybo 4장.  회원가입, 로그인.pptx
+++ b/django_ppt/pyweb_ppt/pybo 4장.  회원가입, 로그인.pptx
@@ -253,7 +253,7 @@
           <a:p>
             <a:fld id="{7665CDAC-D627-4E87-877A-1B781DD4CADC}" type="datetimeFigureOut">
               <a:rPr lang="ko-KR" altLang="en-US" smtClean="0"/>
-              <a:t>2023-06-21</a:t>
+              <a:t>2023-06-23</a:t>
             </a:fld>
             <a:endParaRPr lang="ko-KR" altLang="en-US"/>
           </a:p>
@@ -749,7 +749,7 @@
           <a:p>
             <a:fld id="{C25BCFD5-C4DF-4EBC-B718-C69ED2FBDE6F}" type="datetime1">
               <a:rPr lang="ko-KR" altLang="en-US" smtClean="0"/>
-              <a:t>2023-06-21</a:t>
+              <a:t>2023-06-23</a:t>
             </a:fld>
             <a:endParaRPr lang="ko-KR" altLang="en-US"/>
           </a:p>
@@ -1200,7 +1200,7 @@
           <a:p>
             <a:fld id="{AB448CD7-D367-43D5-B461-ACE552E75063}" type="datetime1">
               <a:rPr lang="ko-KR" altLang="en-US" smtClean="0"/>
-              <a:t>2023-06-21</a:t>
+              <a:t>2023-06-23</a:t>
             </a:fld>
             <a:endParaRPr lang="ko-KR" altLang="en-US"/>
           </a:p>
@@ -1378,7 +1378,7 @@
           <a:p>
             <a:fld id="{B6E49E79-7361-4780-8BEF-7EDE3708298A}" type="datetime1">
               <a:rPr lang="ko-KR" altLang="en-US" smtClean="0"/>
-              <a:t>2023-06-21</a:t>
+              <a:t>2023-06-23</a:t>
             </a:fld>
             <a:endParaRPr lang="ko-KR" altLang="en-US"/>
           </a:p>
@@ -1550,7 +1550,7 @@
           <a:p>
             <a:fld id="{A4D42E3C-B70B-437C-85CF-1286301B9CBA}" type="datetime1">
               <a:rPr lang="ko-KR" altLang="en-US" smtClean="0"/>
-              <a:t>2023-06-21</a:t>
+              <a:t>2023-06-23</a:t>
             </a:fld>
             <a:endParaRPr lang="ko-KR" altLang="en-US"/>
           </a:p>
@@ -1802,7 +1802,7 @@
           <a:p>
             <a:fld id="{B3369A20-5B3D-4D98-A822-26B93D177A40}" type="datetime1">
               <a:rPr lang="ko-KR" altLang="en-US" smtClean="0"/>
-              <a:t>2023-06-21</a:t>
+              <a:t>2023-06-23</a:t>
             </a:fld>
             <a:endParaRPr lang="ko-KR" altLang="en-US"/>
           </a:p>
@@ -2087,7 +2087,7 @@
           <a:p>
             <a:fld id="{685CD4CE-9E43-4F70-A9D8-A2130CA7D92A}" type="datetime1">
               <a:rPr lang="ko-KR" altLang="en-US" smtClean="0"/>
-              <a:t>2023-06-21</a:t>
+              <a:t>2023-06-23</a:t>
             </a:fld>
             <a:endParaRPr lang="ko-KR" altLang="en-US"/>
           </a:p>
@@ -2513,7 +2513,7 @@
           <a:p>
             <a:fld id="{F752BD92-DA3E-4A0B-90C9-7DE5E15B6E96}" type="datetime1">
               <a:rPr lang="ko-KR" altLang="en-US" smtClean="0"/>
-              <a:t>2023-06-21</a:t>
+              <a:t>2023-06-23</a:t>
             </a:fld>
             <a:endParaRPr lang="ko-KR" altLang="en-US"/>
           </a:p>
@@ -2637,7 +2637,7 @@
           <a:p>
             <a:fld id="{8EA2B83A-F366-424E-B742-340ACF856BB5}" type="datetime1">
               <a:rPr lang="ko-KR" altLang="en-US" smtClean="0"/>
-              <a:t>2023-06-21</a:t>
+              <a:t>2023-06-23</a:t>
             </a:fld>
             <a:endParaRPr lang="ko-KR" altLang="en-US"/>
           </a:p>
@@ -2732,7 +2732,7 @@
           <a:p>
             <a:fld id="{9A49D68B-5DBD-48E9-A8D4-FCBC4B3DD9C6}" type="datetime1">
               <a:rPr lang="ko-KR" altLang="en-US" smtClean="0"/>
-              <a:t>2023-06-21</a:t>
+              <a:t>2023-06-23</a:t>
             </a:fld>
             <a:endParaRPr lang="ko-KR" altLang="en-US"/>
           </a:p>
@@ -3007,7 +3007,7 @@
           <a:p>
             <a:fld id="{4CAB534F-7D16-467B-9320-91F98915D181}" type="datetime1">
               <a:rPr lang="ko-KR" altLang="en-US" smtClean="0"/>
-              <a:t>2023-06-21</a:t>
+              <a:t>2023-06-23</a:t>
             </a:fld>
             <a:endParaRPr lang="ko-KR" altLang="en-US"/>
           </a:p>
@@ -3259,7 +3259,7 @@
           <a:p>
             <a:fld id="{A390A91F-2F8D-4486-A69D-D680F95444B0}" type="datetime1">
               <a:rPr lang="ko-KR" altLang="en-US" smtClean="0"/>
-              <a:t>2023-06-21</a:t>
+              <a:t>2023-06-23</a:t>
             </a:fld>
             <a:endParaRPr lang="ko-KR" altLang="en-US"/>
           </a:p>
@@ -3438,7 +3438,7 @@
           <a:p>
             <a:fld id="{2238BBEA-E8DD-414A-BF68-FC2AFA7CFF2D}" type="datetime1">
               <a:rPr lang="ko-KR" altLang="en-US" smtClean="0"/>
-              <a:t>2023-06-21</a:t>
+              <a:t>2023-06-23</a:t>
             </a:fld>
             <a:endParaRPr lang="ko-KR" altLang="en-US"/>
           </a:p>
@@ -7958,10 +7958,6 @@
               </a:rPr>
               <a:t>– common/urls.py</a:t>
             </a:r>
-            <a:endParaRPr lang="en-US" altLang="ko-KR" sz="2000" dirty="0" smtClean="0">
-              <a:latin typeface="휴먼엑스포" panose="02030504000101010101" pitchFamily="18" charset="-127"/>
-              <a:ea typeface="휴먼엑스포" panose="02030504000101010101" pitchFamily="18" charset="-127"/>
-            </a:endParaRPr>
           </a:p>
         </p:txBody>
       </p:sp>
@@ -8172,10 +8168,6 @@
               </a:rPr>
               <a:t>– common/views.py</a:t>
             </a:r>
-            <a:endParaRPr lang="en-US" altLang="ko-KR" sz="2000" dirty="0" smtClean="0">
-              <a:latin typeface="휴먼엑스포" panose="02030504000101010101" pitchFamily="18" charset="-127"/>
-              <a:ea typeface="휴먼엑스포" panose="02030504000101010101" pitchFamily="18" charset="-127"/>
-            </a:endParaRPr>
           </a:p>
         </p:txBody>
       </p:sp>
@@ -9855,15 +9847,7 @@
                 <a:ea typeface="Ebrima" panose="02000000000000000000" pitchFamily="2" charset="0"/>
                 <a:cs typeface="Ebrima" panose="02000000000000000000" pitchFamily="2" charset="0"/>
               </a:rPr>
-              <a:t>python </a:t>
-            </a:r>
-            <a:r>
-              <a:rPr lang="en-US" altLang="ko-KR" b="1" dirty="0" smtClean="0">
-                <a:latin typeface="Ebrima" panose="02000000000000000000" pitchFamily="2" charset="0"/>
-                <a:ea typeface="Ebrima" panose="02000000000000000000" pitchFamily="2" charset="0"/>
-                <a:cs typeface="Ebrima" panose="02000000000000000000" pitchFamily="2" charset="0"/>
-              </a:rPr>
-              <a:t>manage.py </a:t>
+              <a:t>python manage.py </a:t>
             </a:r>
             <a:r>
               <a:rPr lang="en-US" altLang="ko-KR" b="1" dirty="0" err="1" smtClean="0">
@@ -16588,7 +16572,7 @@
       </p:sp>
       <p:pic>
         <p:nvPicPr>
-          <p:cNvPr id="5" name="그림 4"/>
+          <p:cNvPr id="7" name="그림 6"/>
           <p:cNvPicPr>
             <a:picLocks noChangeAspect="1"/>
           </p:cNvPicPr>
@@ -16608,8 +16592,8 @@
         </p:blipFill>
         <p:spPr>
           <a:xfrm>
-            <a:off x="1640632" y="1969323"/>
-            <a:ext cx="5575866" cy="3185027"/>
+            <a:off x="1640632" y="1786530"/>
+            <a:ext cx="5121084" cy="4922947"/>
           </a:xfrm>
           <a:prstGeom prst="rect">
             <a:avLst/>
@@ -16623,68 +16607,6 @@
           </a:ln>
         </p:spPr>
       </p:pic>
-      <p:sp>
-        <p:nvSpPr>
-          <p:cNvPr id="3" name="TextBox 2"/>
-          <p:cNvSpPr txBox="1"/>
-          <p:nvPr/>
-        </p:nvSpPr>
-        <p:spPr>
-          <a:xfrm>
-            <a:off x="1640632" y="5373216"/>
-            <a:ext cx="5256584" cy="369332"/>
-          </a:xfrm>
-          <a:prstGeom prst="rect">
-            <a:avLst/>
-          </a:prstGeom>
-          <a:noFill/>
-        </p:spPr>
-        <p:txBody>
-          <a:bodyPr wrap="square" rtlCol="0">
-            <a:spAutoFit/>
-          </a:bodyPr>
-          <a:lstStyle/>
-          <a:p>
-            <a:r>
-              <a:rPr lang="ko-KR" altLang="en-US" dirty="0" smtClean="0">
-                <a:solidFill>
-                  <a:srgbClr val="C00000"/>
-                </a:solidFill>
-              </a:rPr>
-              <a:t>항목이 여러 개 이므로 중첩 </a:t>
-            </a:r>
-            <a:r>
-              <a:rPr lang="en-US" altLang="ko-KR" dirty="0" smtClean="0">
-                <a:solidFill>
-                  <a:srgbClr val="C00000"/>
-                </a:solidFill>
-              </a:rPr>
-              <a:t>for</a:t>
-            </a:r>
-            <a:r>
-              <a:rPr lang="ko-KR" altLang="en-US" dirty="0" smtClean="0">
-                <a:solidFill>
-                  <a:srgbClr val="C00000"/>
-                </a:solidFill>
-              </a:rPr>
-              <a:t>문을 사용한다</a:t>
-            </a:r>
-            <a:r>
-              <a:rPr lang="en-US" altLang="ko-KR" dirty="0" smtClean="0">
-                <a:solidFill>
-                  <a:srgbClr val="C00000"/>
-                </a:solidFill>
-              </a:rPr>
-              <a:t>.</a:t>
-            </a:r>
-            <a:endParaRPr lang="ko-KR" altLang="en-US" dirty="0">
-              <a:solidFill>
-                <a:srgbClr val="C00000"/>
-              </a:solidFill>
-            </a:endParaRPr>
-          </a:p>
-        </p:txBody>
-      </p:sp>
     </p:spTree>
     <p:extLst>
       <p:ext uri="{BB962C8B-B14F-4D97-AF65-F5344CB8AC3E}">
